--- a/week13/week13.pptx
+++ b/week13/week13.pptx
@@ -5,23 +5,32 @@
     <p:sldMasterId id="2147483660" r:id="rId1"/>
   </p:sldMasterIdLst>
   <p:notesMasterIdLst>
-    <p:notesMasterId r:id="rId16"/>
+    <p:notesMasterId r:id="rId25"/>
   </p:notesMasterIdLst>
   <p:sldIdLst>
     <p:sldId id="256" r:id="rId2"/>
     <p:sldId id="425" r:id="rId3"/>
     <p:sldId id="431" r:id="rId4"/>
     <p:sldId id="432" r:id="rId5"/>
-    <p:sldId id="436" r:id="rId6"/>
+    <p:sldId id="443" r:id="rId6"/>
     <p:sldId id="433" r:id="rId7"/>
-    <p:sldId id="435" r:id="rId8"/>
+    <p:sldId id="444" r:id="rId8"/>
     <p:sldId id="434" r:id="rId9"/>
-    <p:sldId id="438" r:id="rId10"/>
-    <p:sldId id="437" r:id="rId11"/>
-    <p:sldId id="439" r:id="rId12"/>
-    <p:sldId id="440" r:id="rId13"/>
-    <p:sldId id="441" r:id="rId14"/>
-    <p:sldId id="442" r:id="rId15"/>
+    <p:sldId id="446" r:id="rId10"/>
+    <p:sldId id="447" r:id="rId11"/>
+    <p:sldId id="452" r:id="rId12"/>
+    <p:sldId id="457" r:id="rId13"/>
+    <p:sldId id="458" r:id="rId14"/>
+    <p:sldId id="437" r:id="rId15"/>
+    <p:sldId id="449" r:id="rId16"/>
+    <p:sldId id="448" r:id="rId17"/>
+    <p:sldId id="439" r:id="rId18"/>
+    <p:sldId id="440" r:id="rId19"/>
+    <p:sldId id="441" r:id="rId20"/>
+    <p:sldId id="451" r:id="rId21"/>
+    <p:sldId id="454" r:id="rId22"/>
+    <p:sldId id="456" r:id="rId23"/>
+    <p:sldId id="453" r:id="rId24"/>
   </p:sldIdLst>
   <p:sldSz cx="9144000" cy="6858000" type="screen4x3"/>
   <p:notesSz cx="6858000" cy="9144000"/>
@@ -123,6 +132,12 @@
 </p:presentation>
 </file>
 
+<file path=ppt/commentAuthors.xml><?xml version="1.0" encoding="utf-8"?>
+<p:cmAuthorLst xmlns:a="http://schemas.openxmlformats.org/drawingml/2006/main" xmlns:r="http://schemas.openxmlformats.org/officeDocument/2006/relationships" xmlns:p="http://schemas.openxmlformats.org/presentationml/2006/main">
+  <p:cmAuthor id="0" name="Jen Mankoff" initials="JM" lastIdx="1" clrIdx="0"/>
+</p:cmAuthorLst>
+</file>
+
 <file path=ppt/notesMasters/notesMaster1.xml><?xml version="1.0" encoding="utf-8"?>
 <p:notesMaster xmlns:a="http://schemas.openxmlformats.org/drawingml/2006/main" xmlns:r="http://schemas.openxmlformats.org/officeDocument/2006/relationships" xmlns:p="http://schemas.openxmlformats.org/presentationml/2006/main">
   <p:cSld>
@@ -206,7 +221,7 @@
             <a:fld id="{A97C8422-C8B8-4BC4-B711-60DC022E0201}" type="datetimeFigureOut">
               <a:rPr lang="en-US" smtClean="0"/>
               <a:pPr/>
-              <a:t>10/27/14</a:t>
+              <a:t>11/17/14</a:t>
             </a:fld>
             <a:endParaRPr lang="en-US"/>
           </a:p>
@@ -494,6 +509,94 @@
       </p:grpSpPr>
       <p:sp>
         <p:nvSpPr>
+          <p:cNvPr id="71682" name="Rectangle 7"/>
+          <p:cNvSpPr>
+            <a:spLocks noGrp="1" noChangeArrowheads="1"/>
+          </p:cNvSpPr>
+          <p:nvPr>
+            <p:ph type="sldNum" sz="quarter" idx="5"/>
+          </p:nvPr>
+        </p:nvSpPr>
+        <p:spPr>
+          <a:noFill/>
+        </p:spPr>
+        <p:txBody>
+          <a:bodyPr/>
+          <a:lstStyle/>
+          <a:p>
+            <a:fld id="{B999F8E5-AF2C-477F-9A42-BB04B4531A91}" type="slidenum">
+              <a:rPr lang="en-US" smtClean="0"/>
+              <a:pPr/>
+              <a:t>5</a:t>
+            </a:fld>
+            <a:endParaRPr lang="en-US" dirty="0" smtClean="0"/>
+          </a:p>
+        </p:txBody>
+      </p:sp>
+      <p:sp>
+        <p:nvSpPr>
+          <p:cNvPr id="71683" name="Rectangle 2"/>
+          <p:cNvSpPr>
+            <a:spLocks noGrp="1" noRot="1" noChangeAspect="1" noChangeArrowheads="1" noTextEdit="1"/>
+          </p:cNvSpPr>
+          <p:nvPr>
+            <p:ph type="sldImg"/>
+          </p:nvPr>
+        </p:nvSpPr>
+        <p:spPr>
+          <a:ln/>
+        </p:spPr>
+      </p:sp>
+      <p:sp>
+        <p:nvSpPr>
+          <p:cNvPr id="71684" name="Rectangle 3"/>
+          <p:cNvSpPr>
+            <a:spLocks noGrp="1" noChangeArrowheads="1"/>
+          </p:cNvSpPr>
+          <p:nvPr>
+            <p:ph type="body" idx="1"/>
+          </p:nvPr>
+        </p:nvSpPr>
+        <p:spPr>
+          <a:noFill/>
+          <a:ln/>
+        </p:spPr>
+        <p:txBody>
+          <a:bodyPr/>
+          <a:lstStyle/>
+          <a:p>
+            <a:pPr eaLnBrk="1" hangingPunct="1"/>
+            <a:endParaRPr lang="en-US" dirty="0" smtClean="0"/>
+          </a:p>
+        </p:txBody>
+      </p:sp>
+    </p:spTree>
+  </p:cSld>
+  <p:clrMapOvr>
+    <a:masterClrMapping/>
+  </p:clrMapOvr>
+</p:notes>
+</file>
+
+<file path=ppt/notesSlides/notesSlide10.xml><?xml version="1.0" encoding="utf-8"?>
+<p:notes xmlns:a="http://schemas.openxmlformats.org/drawingml/2006/main" xmlns:r="http://schemas.openxmlformats.org/officeDocument/2006/relationships" xmlns:p="http://schemas.openxmlformats.org/presentationml/2006/main">
+  <p:cSld>
+    <p:spTree>
+      <p:nvGrpSpPr>
+        <p:cNvPr id="1" name=""/>
+        <p:cNvGrpSpPr/>
+        <p:nvPr/>
+      </p:nvGrpSpPr>
+      <p:grpSpPr>
+        <a:xfrm>
+          <a:off x="0" y="0"/>
+          <a:ext cx="0" cy="0"/>
+          <a:chOff x="0" y="0"/>
+          <a:chExt cx="0" cy="0"/>
+        </a:xfrm>
+      </p:grpSpPr>
+      <p:sp>
+        <p:nvSpPr>
           <p:cNvPr id="2" name="Slide Image Placeholder 1"/>
           <p:cNvSpPr>
             <a:spLocks noGrp="1" noRot="1" noChangeAspect="1"/>
@@ -521,43 +624,46 @@
           <a:p>
             <a:r>
               <a:rPr lang="en-US" dirty="0" smtClean="0"/>
-              <a:t>relative is </a:t>
+              <a:t>drop</a:t>
             </a:r>
             <a:r>
               <a:rPr lang="en-US" baseline="0" dirty="0" smtClean="0"/>
-              <a:t>"relative to where it should be", </a:t>
-            </a:r>
-            <a:r>
-              <a:rPr lang="en-US" dirty="0" smtClean="0"/>
-              <a:t>absolute is absolute in the page,</a:t>
-            </a:r>
+              <a:t> down boxes</a:t>
+            </a:r>
+          </a:p>
+          <a:p>
             <a:r>
               <a:rPr lang="en-US" baseline="0" dirty="0" smtClean="0"/>
-              <a:t> </a:t>
-            </a:r>
-            <a:r>
-              <a:rPr lang="en-US" dirty="0" smtClean="0"/>
-              <a:t>fixed</a:t>
+              <a:t>feedback: </a:t>
             </a:r>
             <a:r>
               <a:rPr lang="en-US" baseline="0" dirty="0" smtClean="0"/>
-              <a:t> is absolute in the window</a:t>
-            </a:r>
-          </a:p>
-          <a:p>
+              <a:t>spinners</a:t>
+            </a:r>
+          </a:p>
+          <a:p>
+            <a:r>
+              <a:rPr lang="en-US" baseline="0" dirty="0" err="1" smtClean="0"/>
+              <a:t>fitts</a:t>
+            </a:r>
             <a:r>
               <a:rPr lang="en-US" baseline="0" dirty="0" smtClean="0"/>
-              <a:t>we mostly have springs and struts in </a:t>
+              <a:t> law – </a:t>
             </a:r>
             <a:r>
               <a:rPr lang="en-US" baseline="0" dirty="0" err="1" smtClean="0"/>
-              <a:t>css</a:t>
+              <a:t>urls</a:t>
             </a:r>
             <a:r>
               <a:rPr lang="en-US" baseline="0" dirty="0" smtClean="0"/>
-              <a:t>. this is still complicated.</a:t>
-            </a:r>
-            <a:endParaRPr lang="en-US" dirty="0"/>
+              <a:t>, other web things, also clicking tabs at the top of the screen</a:t>
+            </a:r>
+          </a:p>
+          <a:p>
+            <a:r>
+              <a:rPr lang="en-US" baseline="0" dirty="0" smtClean="0"/>
+              <a:t>perception: what do we do if we can't control these things</a:t>
+            </a:r>
           </a:p>
         </p:txBody>
       </p:sp>
@@ -579,7 +685,7 @@
             <a:fld id="{DE04B385-195D-42A6-AD53-ED33A3B9CE57}" type="slidenum">
               <a:rPr lang="en-US" smtClean="0"/>
               <a:pPr/>
-              <a:t>9</a:t>
+              <a:t>17</a:t>
             </a:fld>
             <a:endParaRPr lang="en-US"/>
           </a:p>
@@ -588,7 +694,214 @@
     </p:spTree>
     <p:extLst>
       <p:ext uri="{BB962C8B-B14F-4D97-AF65-F5344CB8AC3E}">
-        <p14:creationId xmlns:p14="http://schemas.microsoft.com/office/powerpoint/2010/main" val="2219003269"/>
+        <p14:creationId xmlns:p14="http://schemas.microsoft.com/office/powerpoint/2010/main" val="4090317859"/>
+      </p:ext>
+    </p:extLst>
+  </p:cSld>
+  <p:clrMapOvr>
+    <a:masterClrMapping/>
+  </p:clrMapOvr>
+</p:notes>
+</file>
+
+<file path=ppt/notesSlides/notesSlide11.xml><?xml version="1.0" encoding="utf-8"?>
+<p:notes xmlns:a="http://schemas.openxmlformats.org/drawingml/2006/main" xmlns:r="http://schemas.openxmlformats.org/officeDocument/2006/relationships" xmlns:p="http://schemas.openxmlformats.org/presentationml/2006/main">
+  <p:cSld>
+    <p:spTree>
+      <p:nvGrpSpPr>
+        <p:cNvPr id="1" name=""/>
+        <p:cNvGrpSpPr/>
+        <p:nvPr/>
+      </p:nvGrpSpPr>
+      <p:grpSpPr>
+        <a:xfrm>
+          <a:off x="0" y="0"/>
+          <a:ext cx="0" cy="0"/>
+          <a:chOff x="0" y="0"/>
+          <a:chExt cx="0" cy="0"/>
+        </a:xfrm>
+      </p:grpSpPr>
+      <p:sp>
+        <p:nvSpPr>
+          <p:cNvPr id="2" name="Slide Image Placeholder 1"/>
+          <p:cNvSpPr>
+            <a:spLocks noGrp="1" noRot="1" noChangeAspect="1"/>
+          </p:cNvSpPr>
+          <p:nvPr>
+            <p:ph type="sldImg"/>
+          </p:nvPr>
+        </p:nvSpPr>
+        <p:spPr/>
+      </p:sp>
+      <p:sp>
+        <p:nvSpPr>
+          <p:cNvPr id="3" name="Notes Placeholder 2"/>
+          <p:cNvSpPr>
+            <a:spLocks noGrp="1"/>
+          </p:cNvSpPr>
+          <p:nvPr>
+            <p:ph type="body" idx="1"/>
+          </p:nvPr>
+        </p:nvSpPr>
+        <p:spPr/>
+        <p:txBody>
+          <a:bodyPr/>
+          <a:lstStyle/>
+          <a:p>
+            <a:r>
+              <a:rPr lang="en-US" dirty="0" smtClean="0"/>
+              <a:t>how to tame this complexity</a:t>
+            </a:r>
+            <a:endParaRPr lang="en-US" dirty="0"/>
+          </a:p>
+        </p:txBody>
+      </p:sp>
+      <p:sp>
+        <p:nvSpPr>
+          <p:cNvPr id="4" name="Slide Number Placeholder 3"/>
+          <p:cNvSpPr>
+            <a:spLocks noGrp="1"/>
+          </p:cNvSpPr>
+          <p:nvPr>
+            <p:ph type="sldNum" sz="quarter" idx="10"/>
+          </p:nvPr>
+        </p:nvSpPr>
+        <p:spPr/>
+        <p:txBody>
+          <a:bodyPr/>
+          <a:lstStyle/>
+          <a:p>
+            <a:fld id="{DE04B385-195D-42A6-AD53-ED33A3B9CE57}" type="slidenum">
+              <a:rPr lang="en-US" smtClean="0"/>
+              <a:pPr/>
+              <a:t>19</a:t>
+            </a:fld>
+            <a:endParaRPr lang="en-US"/>
+          </a:p>
+        </p:txBody>
+      </p:sp>
+    </p:spTree>
+    <p:extLst>
+      <p:ext uri="{BB962C8B-B14F-4D97-AF65-F5344CB8AC3E}">
+        <p14:creationId xmlns:p14="http://schemas.microsoft.com/office/powerpoint/2010/main" val="1024018971"/>
+      </p:ext>
+    </p:extLst>
+  </p:cSld>
+  <p:clrMapOvr>
+    <a:masterClrMapping/>
+  </p:clrMapOvr>
+</p:notes>
+</file>
+
+<file path=ppt/notesSlides/notesSlide12.xml><?xml version="1.0" encoding="utf-8"?>
+<p:notes xmlns:a="http://schemas.openxmlformats.org/drawingml/2006/main" xmlns:r="http://schemas.openxmlformats.org/officeDocument/2006/relationships" xmlns:p="http://schemas.openxmlformats.org/presentationml/2006/main">
+  <p:cSld>
+    <p:spTree>
+      <p:nvGrpSpPr>
+        <p:cNvPr id="1" name=""/>
+        <p:cNvGrpSpPr/>
+        <p:nvPr/>
+      </p:nvGrpSpPr>
+      <p:grpSpPr>
+        <a:xfrm>
+          <a:off x="0" y="0"/>
+          <a:ext cx="0" cy="0"/>
+          <a:chOff x="0" y="0"/>
+          <a:chExt cx="0" cy="0"/>
+        </a:xfrm>
+      </p:grpSpPr>
+      <p:sp>
+        <p:nvSpPr>
+          <p:cNvPr id="2" name="Slide Image Placeholder 1"/>
+          <p:cNvSpPr>
+            <a:spLocks noGrp="1" noRot="1" noChangeAspect="1"/>
+          </p:cNvSpPr>
+          <p:nvPr>
+            <p:ph type="sldImg"/>
+          </p:nvPr>
+        </p:nvSpPr>
+        <p:spPr/>
+      </p:sp>
+      <p:sp>
+        <p:nvSpPr>
+          <p:cNvPr id="3" name="Notes Placeholder 2"/>
+          <p:cNvSpPr>
+            <a:spLocks noGrp="1"/>
+          </p:cNvSpPr>
+          <p:nvPr>
+            <p:ph type="body" idx="1"/>
+          </p:nvPr>
+        </p:nvSpPr>
+        <p:spPr/>
+        <p:txBody>
+          <a:bodyPr/>
+          <a:lstStyle/>
+          <a:p>
+            <a:r>
+              <a:rPr lang="en-US" dirty="0" smtClean="0"/>
+              <a:t>composition: html, put stuff together</a:t>
+            </a:r>
+            <a:r>
+              <a:rPr lang="en-US" baseline="0" dirty="0" smtClean="0"/>
+              <a:t> in a container</a:t>
+            </a:r>
+          </a:p>
+          <a:p>
+            <a:r>
+              <a:rPr lang="en-US" baseline="0" dirty="0" smtClean="0"/>
+              <a:t>inheritance: hard to deal with, only </a:t>
+            </a:r>
+            <a:r>
+              <a:rPr lang="en-US" baseline="0" dirty="0" smtClean="0"/>
+              <a:t>prototypes.. </a:t>
+            </a:r>
+            <a:r>
+              <a:rPr lang="en-US" baseline="0" dirty="0" err="1" smtClean="0"/>
+              <a:t>whorfian</a:t>
+            </a:r>
+            <a:r>
+              <a:rPr lang="en-US" baseline="0" dirty="0" smtClean="0"/>
+              <a:t> effects of it not being there?</a:t>
+            </a:r>
+            <a:endParaRPr lang="en-US" baseline="0" dirty="0" smtClean="0"/>
+          </a:p>
+          <a:p>
+            <a:r>
+              <a:rPr lang="en-US" baseline="0" dirty="0" smtClean="0"/>
+              <a:t>aggregation: </a:t>
+            </a:r>
+            <a:endParaRPr lang="en-US" dirty="0"/>
+          </a:p>
+        </p:txBody>
+      </p:sp>
+      <p:sp>
+        <p:nvSpPr>
+          <p:cNvPr id="4" name="Slide Number Placeholder 3"/>
+          <p:cNvSpPr>
+            <a:spLocks noGrp="1"/>
+          </p:cNvSpPr>
+          <p:nvPr>
+            <p:ph type="sldNum" sz="quarter" idx="10"/>
+          </p:nvPr>
+        </p:nvSpPr>
+        <p:spPr/>
+        <p:txBody>
+          <a:bodyPr/>
+          <a:lstStyle/>
+          <a:p>
+            <a:fld id="{DE04B385-195D-42A6-AD53-ED33A3B9CE57}" type="slidenum">
+              <a:rPr lang="en-US" smtClean="0"/>
+              <a:pPr/>
+              <a:t>20</a:t>
+            </a:fld>
+            <a:endParaRPr lang="en-US"/>
+          </a:p>
+        </p:txBody>
+      </p:sp>
+    </p:spTree>
+    <p:extLst>
+      <p:ext uri="{BB962C8B-B14F-4D97-AF65-F5344CB8AC3E}">
+        <p14:creationId xmlns:p14="http://schemas.microsoft.com/office/powerpoint/2010/main" val="2441508656"/>
       </p:ext>
     </p:extLst>
   </p:cSld>
@@ -644,17 +957,480 @@
           <a:p>
             <a:r>
               <a:rPr lang="en-US" dirty="0" smtClean="0"/>
-              <a:t>drop</a:t>
+              <a:t>tabs</a:t>
             </a:r>
             <a:r>
               <a:rPr lang="en-US" baseline="0" dirty="0" smtClean="0"/>
-              <a:t> down boxes</a:t>
-            </a:r>
-          </a:p>
-          <a:p>
-            <a:r>
-              <a:rPr lang="en-US" baseline="0" dirty="0" smtClean="0"/>
-              <a:t>feedback: spinners</a:t>
+              <a:t> is kind of the only way to do things – your OS windowing system also handles the browser windows</a:t>
+            </a:r>
+            <a:endParaRPr lang="en-US" dirty="0"/>
+          </a:p>
+        </p:txBody>
+      </p:sp>
+      <p:sp>
+        <p:nvSpPr>
+          <p:cNvPr id="4" name="Slide Number Placeholder 3"/>
+          <p:cNvSpPr>
+            <a:spLocks noGrp="1"/>
+          </p:cNvSpPr>
+          <p:nvPr>
+            <p:ph type="sldNum" sz="quarter" idx="10"/>
+          </p:nvPr>
+        </p:nvSpPr>
+        <p:spPr/>
+        <p:txBody>
+          <a:bodyPr/>
+          <a:lstStyle/>
+          <a:p>
+            <a:fld id="{DE04B385-195D-42A6-AD53-ED33A3B9CE57}" type="slidenum">
+              <a:rPr lang="en-US" smtClean="0"/>
+              <a:pPr/>
+              <a:t>6</a:t>
+            </a:fld>
+            <a:endParaRPr lang="en-US"/>
+          </a:p>
+        </p:txBody>
+      </p:sp>
+    </p:spTree>
+    <p:extLst>
+      <p:ext uri="{BB962C8B-B14F-4D97-AF65-F5344CB8AC3E}">
+        <p14:creationId xmlns:p14="http://schemas.microsoft.com/office/powerpoint/2010/main" val="1215209188"/>
+      </p:ext>
+    </p:extLst>
+  </p:cSld>
+  <p:clrMapOvr>
+    <a:masterClrMapping/>
+  </p:clrMapOvr>
+</p:notes>
+</file>
+
+<file path=ppt/notesSlides/notesSlide3.xml><?xml version="1.0" encoding="utf-8"?>
+<p:notes xmlns:a="http://schemas.openxmlformats.org/drawingml/2006/main" xmlns:r="http://schemas.openxmlformats.org/officeDocument/2006/relationships" xmlns:p="http://schemas.openxmlformats.org/presentationml/2006/main">
+  <p:cSld>
+    <p:spTree>
+      <p:nvGrpSpPr>
+        <p:cNvPr id="1" name=""/>
+        <p:cNvGrpSpPr/>
+        <p:nvPr/>
+      </p:nvGrpSpPr>
+      <p:grpSpPr>
+        <a:xfrm>
+          <a:off x="0" y="0"/>
+          <a:ext cx="0" cy="0"/>
+          <a:chOff x="0" y="0"/>
+          <a:chExt cx="0" cy="0"/>
+        </a:xfrm>
+      </p:grpSpPr>
+      <p:sp>
+        <p:nvSpPr>
+          <p:cNvPr id="2" name="Slide Image Placeholder 1"/>
+          <p:cNvSpPr>
+            <a:spLocks noGrp="1" noRot="1" noChangeAspect="1"/>
+          </p:cNvSpPr>
+          <p:nvPr>
+            <p:ph type="sldImg"/>
+          </p:nvPr>
+        </p:nvSpPr>
+        <p:spPr/>
+      </p:sp>
+      <p:sp>
+        <p:nvSpPr>
+          <p:cNvPr id="3" name="Notes Placeholder 2"/>
+          <p:cNvSpPr>
+            <a:spLocks noGrp="1"/>
+          </p:cNvSpPr>
+          <p:nvPr>
+            <p:ph type="body" idx="1"/>
+          </p:nvPr>
+        </p:nvSpPr>
+        <p:spPr/>
+        <p:txBody>
+          <a:bodyPr>
+            <a:normAutofit/>
+          </a:bodyPr>
+          <a:lstStyle/>
+          <a:p>
+            <a:pPr marL="0" marR="0" lvl="2" indent="0" algn="l" defTabSz="914400" rtl="0" eaLnBrk="1" fontAlgn="auto" latinLnBrk="0" hangingPunct="1">
+              <a:lnSpc>
+                <a:spcPct val="100000"/>
+              </a:lnSpc>
+              <a:spcBef>
+                <a:spcPts val="0"/>
+              </a:spcBef>
+              <a:spcAft>
+                <a:spcPts val="0"/>
+              </a:spcAft>
+              <a:buClrTx/>
+              <a:buSzTx/>
+              <a:buFontTx/>
+              <a:buNone/>
+              <a:tabLst/>
+              <a:defRPr/>
+            </a:pPr>
+            <a:r>
+              <a:rPr lang="en-US" dirty="0" smtClean="0"/>
+              <a:t>E.g., a button draws something that looks like a button and appears as enable vs. disabled, depressed vs. not, with the proper text label, etc. based on information encapsulated inside the button itself</a:t>
+            </a:r>
+          </a:p>
+          <a:p>
+            <a:endParaRPr lang="en-US" dirty="0"/>
+          </a:p>
+        </p:txBody>
+      </p:sp>
+      <p:sp>
+        <p:nvSpPr>
+          <p:cNvPr id="4" name="Slide Number Placeholder 3"/>
+          <p:cNvSpPr>
+            <a:spLocks noGrp="1"/>
+          </p:cNvSpPr>
+          <p:nvPr>
+            <p:ph type="sldNum" sz="quarter" idx="10"/>
+          </p:nvPr>
+        </p:nvSpPr>
+        <p:spPr/>
+        <p:txBody>
+          <a:bodyPr/>
+          <a:lstStyle/>
+          <a:p>
+            <a:fld id="{953C6607-B252-4C2C-B4A2-86D8A1718508}" type="slidenum">
+              <a:rPr lang="en-US" smtClean="0"/>
+              <a:pPr/>
+              <a:t>7</a:t>
+            </a:fld>
+            <a:endParaRPr lang="en-US" dirty="0"/>
+          </a:p>
+        </p:txBody>
+      </p:sp>
+    </p:spTree>
+  </p:cSld>
+  <p:clrMapOvr>
+    <a:masterClrMapping/>
+  </p:clrMapOvr>
+</p:notes>
+</file>
+
+<file path=ppt/notesSlides/notesSlide4.xml><?xml version="1.0" encoding="utf-8"?>
+<p:notes xmlns:a="http://schemas.openxmlformats.org/drawingml/2006/main" xmlns:r="http://schemas.openxmlformats.org/officeDocument/2006/relationships" xmlns:p="http://schemas.openxmlformats.org/presentationml/2006/main">
+  <p:cSld>
+    <p:spTree>
+      <p:nvGrpSpPr>
+        <p:cNvPr id="1" name=""/>
+        <p:cNvGrpSpPr/>
+        <p:nvPr/>
+      </p:nvGrpSpPr>
+      <p:grpSpPr>
+        <a:xfrm>
+          <a:off x="0" y="0"/>
+          <a:ext cx="0" cy="0"/>
+          <a:chOff x="0" y="0"/>
+          <a:chExt cx="0" cy="0"/>
+        </a:xfrm>
+      </p:grpSpPr>
+      <p:sp>
+        <p:nvSpPr>
+          <p:cNvPr id="2" name="Slide Image Placeholder 1"/>
+          <p:cNvSpPr>
+            <a:spLocks noGrp="1" noRot="1" noChangeAspect="1"/>
+          </p:cNvSpPr>
+          <p:nvPr>
+            <p:ph type="sldImg"/>
+          </p:nvPr>
+        </p:nvSpPr>
+        <p:spPr/>
+      </p:sp>
+      <p:sp>
+        <p:nvSpPr>
+          <p:cNvPr id="3" name="Notes Placeholder 2"/>
+          <p:cNvSpPr>
+            <a:spLocks noGrp="1"/>
+          </p:cNvSpPr>
+          <p:nvPr>
+            <p:ph type="body" idx="1"/>
+          </p:nvPr>
+        </p:nvSpPr>
+        <p:spPr/>
+        <p:txBody>
+          <a:bodyPr/>
+          <a:lstStyle/>
+          <a:p>
+            <a:r>
+              <a:rPr lang="en-US" dirty="0" smtClean="0"/>
+              <a:t>well, stuff goes where it goes. you don't really have to think about it.</a:t>
+            </a:r>
+            <a:endParaRPr lang="en-US" dirty="0"/>
+          </a:p>
+        </p:txBody>
+      </p:sp>
+      <p:sp>
+        <p:nvSpPr>
+          <p:cNvPr id="4" name="Slide Number Placeholder 3"/>
+          <p:cNvSpPr>
+            <a:spLocks noGrp="1"/>
+          </p:cNvSpPr>
+          <p:nvPr>
+            <p:ph type="sldNum" sz="quarter" idx="10"/>
+          </p:nvPr>
+        </p:nvSpPr>
+        <p:spPr/>
+        <p:txBody>
+          <a:bodyPr/>
+          <a:lstStyle/>
+          <a:p>
+            <a:fld id="{DE04B385-195D-42A6-AD53-ED33A3B9CE57}" type="slidenum">
+              <a:rPr lang="en-US" smtClean="0"/>
+              <a:pPr/>
+              <a:t>8</a:t>
+            </a:fld>
+            <a:endParaRPr lang="en-US"/>
+          </a:p>
+        </p:txBody>
+      </p:sp>
+    </p:spTree>
+    <p:extLst>
+      <p:ext uri="{BB962C8B-B14F-4D97-AF65-F5344CB8AC3E}">
+        <p14:creationId xmlns:p14="http://schemas.microsoft.com/office/powerpoint/2010/main" val="2346633795"/>
+      </p:ext>
+    </p:extLst>
+  </p:cSld>
+  <p:clrMapOvr>
+    <a:masterClrMapping/>
+  </p:clrMapOvr>
+</p:notes>
+</file>
+
+<file path=ppt/notesSlides/notesSlide5.xml><?xml version="1.0" encoding="utf-8"?>
+<p:notes xmlns:a="http://schemas.openxmlformats.org/drawingml/2006/main" xmlns:r="http://schemas.openxmlformats.org/officeDocument/2006/relationships" xmlns:p="http://schemas.openxmlformats.org/presentationml/2006/main">
+  <p:cSld>
+    <p:spTree>
+      <p:nvGrpSpPr>
+        <p:cNvPr id="1" name=""/>
+        <p:cNvGrpSpPr/>
+        <p:nvPr/>
+      </p:nvGrpSpPr>
+      <p:grpSpPr>
+        <a:xfrm>
+          <a:off x="0" y="0"/>
+          <a:ext cx="0" cy="0"/>
+          <a:chOff x="0" y="0"/>
+          <a:chExt cx="0" cy="0"/>
+        </a:xfrm>
+      </p:grpSpPr>
+      <p:sp>
+        <p:nvSpPr>
+          <p:cNvPr id="2" name="Slide Image Placeholder 1"/>
+          <p:cNvSpPr>
+            <a:spLocks noGrp="1" noRot="1" noChangeAspect="1"/>
+          </p:cNvSpPr>
+          <p:nvPr>
+            <p:ph type="sldImg"/>
+          </p:nvPr>
+        </p:nvSpPr>
+        <p:spPr/>
+      </p:sp>
+      <p:sp>
+        <p:nvSpPr>
+          <p:cNvPr id="3" name="Notes Placeholder 2"/>
+          <p:cNvSpPr>
+            <a:spLocks noGrp="1"/>
+          </p:cNvSpPr>
+          <p:nvPr>
+            <p:ph type="body" idx="1"/>
+          </p:nvPr>
+        </p:nvSpPr>
+        <p:spPr/>
+        <p:txBody>
+          <a:bodyPr/>
+          <a:lstStyle/>
+          <a:p>
+            <a:r>
+              <a:rPr lang="en-US" dirty="0" smtClean="0"/>
+              <a:t>can you mess with this?</a:t>
+            </a:r>
+            <a:endParaRPr lang="en-US" dirty="0"/>
+          </a:p>
+        </p:txBody>
+      </p:sp>
+      <p:sp>
+        <p:nvSpPr>
+          <p:cNvPr id="4" name="Slide Number Placeholder 3"/>
+          <p:cNvSpPr>
+            <a:spLocks noGrp="1"/>
+          </p:cNvSpPr>
+          <p:nvPr>
+            <p:ph type="sldNum" sz="quarter" idx="10"/>
+          </p:nvPr>
+        </p:nvSpPr>
+        <p:spPr/>
+        <p:txBody>
+          <a:bodyPr/>
+          <a:lstStyle/>
+          <a:p>
+            <a:fld id="{DE04B385-195D-42A6-AD53-ED33A3B9CE57}" type="slidenum">
+              <a:rPr lang="en-US" smtClean="0"/>
+              <a:pPr/>
+              <a:t>9</a:t>
+            </a:fld>
+            <a:endParaRPr lang="en-US"/>
+          </a:p>
+        </p:txBody>
+      </p:sp>
+    </p:spTree>
+    <p:extLst>
+      <p:ext uri="{BB962C8B-B14F-4D97-AF65-F5344CB8AC3E}">
+        <p14:creationId xmlns:p14="http://schemas.microsoft.com/office/powerpoint/2010/main" val="1121462265"/>
+      </p:ext>
+    </p:extLst>
+  </p:cSld>
+  <p:clrMapOvr>
+    <a:masterClrMapping/>
+  </p:clrMapOvr>
+</p:notes>
+</file>
+
+<file path=ppt/notesSlides/notesSlide6.xml><?xml version="1.0" encoding="utf-8"?>
+<p:notes xmlns:a="http://schemas.openxmlformats.org/drawingml/2006/main" xmlns:r="http://schemas.openxmlformats.org/officeDocument/2006/relationships" xmlns:p="http://schemas.openxmlformats.org/presentationml/2006/main">
+  <p:cSld>
+    <p:spTree>
+      <p:nvGrpSpPr>
+        <p:cNvPr id="1" name=""/>
+        <p:cNvGrpSpPr/>
+        <p:nvPr/>
+      </p:nvGrpSpPr>
+      <p:grpSpPr>
+        <a:xfrm>
+          <a:off x="0" y="0"/>
+          <a:ext cx="0" cy="0"/>
+          <a:chOff x="0" y="0"/>
+          <a:chExt cx="0" cy="0"/>
+        </a:xfrm>
+      </p:grpSpPr>
+      <p:sp>
+        <p:nvSpPr>
+          <p:cNvPr id="2" name="Slide Image Placeholder 1"/>
+          <p:cNvSpPr>
+            <a:spLocks noGrp="1" noRot="1" noChangeAspect="1"/>
+          </p:cNvSpPr>
+          <p:nvPr>
+            <p:ph type="sldImg"/>
+          </p:nvPr>
+        </p:nvSpPr>
+        <p:spPr/>
+      </p:sp>
+      <p:sp>
+        <p:nvSpPr>
+          <p:cNvPr id="3" name="Notes Placeholder 2"/>
+          <p:cNvSpPr>
+            <a:spLocks noGrp="1"/>
+          </p:cNvSpPr>
+          <p:nvPr>
+            <p:ph type="body" idx="1"/>
+          </p:nvPr>
+        </p:nvSpPr>
+        <p:spPr/>
+        <p:txBody>
+          <a:bodyPr/>
+          <a:lstStyle/>
+          <a:p>
+            <a:r>
+              <a:rPr lang="en-US" dirty="0" smtClean="0"/>
+              <a:t>http://</a:t>
+            </a:r>
+            <a:r>
+              <a:rPr lang="en-US" dirty="0" err="1" smtClean="0"/>
+              <a:t>taligarsiel.com</a:t>
+            </a:r>
+            <a:r>
+              <a:rPr lang="en-US" dirty="0" smtClean="0"/>
+              <a:t>/Projects/howbrowserswork1.htm#Dirty_bit_system</a:t>
+            </a:r>
+            <a:endParaRPr lang="en-US" dirty="0"/>
+          </a:p>
+        </p:txBody>
+      </p:sp>
+      <p:sp>
+        <p:nvSpPr>
+          <p:cNvPr id="4" name="Slide Number Placeholder 3"/>
+          <p:cNvSpPr>
+            <a:spLocks noGrp="1"/>
+          </p:cNvSpPr>
+          <p:nvPr>
+            <p:ph type="sldNum" sz="quarter" idx="10"/>
+          </p:nvPr>
+        </p:nvSpPr>
+        <p:spPr/>
+        <p:txBody>
+          <a:bodyPr/>
+          <a:lstStyle/>
+          <a:p>
+            <a:fld id="{DE04B385-195D-42A6-AD53-ED33A3B9CE57}" type="slidenum">
+              <a:rPr lang="en-US" smtClean="0"/>
+              <a:pPr/>
+              <a:t>10</a:t>
+            </a:fld>
+            <a:endParaRPr lang="en-US"/>
+          </a:p>
+        </p:txBody>
+      </p:sp>
+    </p:spTree>
+    <p:extLst>
+      <p:ext uri="{BB962C8B-B14F-4D97-AF65-F5344CB8AC3E}">
+        <p14:creationId xmlns:p14="http://schemas.microsoft.com/office/powerpoint/2010/main" val="2033020905"/>
+      </p:ext>
+    </p:extLst>
+  </p:cSld>
+  <p:clrMapOvr>
+    <a:masterClrMapping/>
+  </p:clrMapOvr>
+</p:notes>
+</file>
+
+<file path=ppt/notesSlides/notesSlide7.xml><?xml version="1.0" encoding="utf-8"?>
+<p:notes xmlns:a="http://schemas.openxmlformats.org/drawingml/2006/main" xmlns:r="http://schemas.openxmlformats.org/officeDocument/2006/relationships" xmlns:p="http://schemas.openxmlformats.org/presentationml/2006/main">
+  <p:cSld>
+    <p:spTree>
+      <p:nvGrpSpPr>
+        <p:cNvPr id="1" name=""/>
+        <p:cNvGrpSpPr/>
+        <p:nvPr/>
+      </p:nvGrpSpPr>
+      <p:grpSpPr>
+        <a:xfrm>
+          <a:off x="0" y="0"/>
+          <a:ext cx="0" cy="0"/>
+          <a:chOff x="0" y="0"/>
+          <a:chExt cx="0" cy="0"/>
+        </a:xfrm>
+      </p:grpSpPr>
+      <p:sp>
+        <p:nvSpPr>
+          <p:cNvPr id="2" name="Slide Image Placeholder 1"/>
+          <p:cNvSpPr>
+            <a:spLocks noGrp="1" noRot="1" noChangeAspect="1"/>
+          </p:cNvSpPr>
+          <p:nvPr>
+            <p:ph type="sldImg"/>
+          </p:nvPr>
+        </p:nvSpPr>
+        <p:spPr/>
+      </p:sp>
+      <p:sp>
+        <p:nvSpPr>
+          <p:cNvPr id="3" name="Notes Placeholder 2"/>
+          <p:cNvSpPr>
+            <a:spLocks noGrp="1"/>
+          </p:cNvSpPr>
+          <p:nvPr>
+            <p:ph type="body" idx="1"/>
+          </p:nvPr>
+        </p:nvSpPr>
+        <p:spPr/>
+        <p:txBody>
+          <a:bodyPr/>
+          <a:lstStyle/>
+          <a:p>
+            <a:r>
+              <a:rPr lang="en-US" dirty="0" smtClean="0"/>
+              <a:t>note width and height handled differently</a:t>
             </a:r>
             <a:endParaRPr lang="en-US" dirty="0"/>
           </a:p>
@@ -687,7 +1463,193 @@
     </p:spTree>
     <p:extLst>
       <p:ext uri="{BB962C8B-B14F-4D97-AF65-F5344CB8AC3E}">
-        <p14:creationId xmlns:p14="http://schemas.microsoft.com/office/powerpoint/2010/main" val="4090317859"/>
+        <p14:creationId xmlns:p14="http://schemas.microsoft.com/office/powerpoint/2010/main" val="2033020905"/>
+      </p:ext>
+    </p:extLst>
+  </p:cSld>
+  <p:clrMapOvr>
+    <a:masterClrMapping/>
+  </p:clrMapOvr>
+</p:notes>
+</file>
+
+<file path=ppt/notesSlides/notesSlide8.xml><?xml version="1.0" encoding="utf-8"?>
+<p:notes xmlns:a="http://schemas.openxmlformats.org/drawingml/2006/main" xmlns:r="http://schemas.openxmlformats.org/officeDocument/2006/relationships" xmlns:p="http://schemas.openxmlformats.org/presentationml/2006/main">
+  <p:cSld>
+    <p:spTree>
+      <p:nvGrpSpPr>
+        <p:cNvPr id="1" name=""/>
+        <p:cNvGrpSpPr/>
+        <p:nvPr/>
+      </p:nvGrpSpPr>
+      <p:grpSpPr>
+        <a:xfrm>
+          <a:off x="0" y="0"/>
+          <a:ext cx="0" cy="0"/>
+          <a:chOff x="0" y="0"/>
+          <a:chExt cx="0" cy="0"/>
+        </a:xfrm>
+      </p:grpSpPr>
+      <p:sp>
+        <p:nvSpPr>
+          <p:cNvPr id="2" name="Slide Image Placeholder 1"/>
+          <p:cNvSpPr>
+            <a:spLocks noGrp="1" noRot="1" noChangeAspect="1"/>
+          </p:cNvSpPr>
+          <p:nvPr>
+            <p:ph type="sldImg"/>
+          </p:nvPr>
+        </p:nvSpPr>
+        <p:spPr/>
+      </p:sp>
+      <p:sp>
+        <p:nvSpPr>
+          <p:cNvPr id="3" name="Notes Placeholder 2"/>
+          <p:cNvSpPr>
+            <a:spLocks noGrp="1"/>
+          </p:cNvSpPr>
+          <p:nvPr>
+            <p:ph type="body" idx="1"/>
+          </p:nvPr>
+        </p:nvSpPr>
+        <p:spPr/>
+        <p:txBody>
+          <a:bodyPr/>
+          <a:lstStyle/>
+          <a:p>
+            <a:r>
+              <a:rPr lang="en-US" dirty="0" smtClean="0"/>
+              <a:t>spans and </a:t>
+            </a:r>
+            <a:r>
+              <a:rPr lang="en-US" dirty="0" err="1" smtClean="0"/>
+              <a:t>divs</a:t>
+            </a:r>
+            <a:r>
+              <a:rPr lang="en-US" dirty="0" smtClean="0"/>
+              <a:t> align</a:t>
+            </a:r>
+            <a:r>
+              <a:rPr lang="en-US" baseline="0" dirty="0" smtClean="0"/>
+              <a:t> themselves, row and column layouts layout the things inside them</a:t>
+            </a:r>
+            <a:endParaRPr lang="en-US" dirty="0"/>
+          </a:p>
+        </p:txBody>
+      </p:sp>
+      <p:sp>
+        <p:nvSpPr>
+          <p:cNvPr id="4" name="Slide Number Placeholder 3"/>
+          <p:cNvSpPr>
+            <a:spLocks noGrp="1"/>
+          </p:cNvSpPr>
+          <p:nvPr>
+            <p:ph type="sldNum" sz="quarter" idx="10"/>
+          </p:nvPr>
+        </p:nvSpPr>
+        <p:spPr/>
+        <p:txBody>
+          <a:bodyPr/>
+          <a:lstStyle/>
+          <a:p>
+            <a:fld id="{DE04B385-195D-42A6-AD53-ED33A3B9CE57}" type="slidenum">
+              <a:rPr lang="en-US" smtClean="0"/>
+              <a:pPr/>
+              <a:t>12</a:t>
+            </a:fld>
+            <a:endParaRPr lang="en-US"/>
+          </a:p>
+        </p:txBody>
+      </p:sp>
+    </p:spTree>
+    <p:extLst>
+      <p:ext uri="{BB962C8B-B14F-4D97-AF65-F5344CB8AC3E}">
+        <p14:creationId xmlns:p14="http://schemas.microsoft.com/office/powerpoint/2010/main" val="2502897745"/>
+      </p:ext>
+    </p:extLst>
+  </p:cSld>
+  <p:clrMapOvr>
+    <a:masterClrMapping/>
+  </p:clrMapOvr>
+</p:notes>
+</file>
+
+<file path=ppt/notesSlides/notesSlide9.xml><?xml version="1.0" encoding="utf-8"?>
+<p:notes xmlns:a="http://schemas.openxmlformats.org/drawingml/2006/main" xmlns:r="http://schemas.openxmlformats.org/officeDocument/2006/relationships" xmlns:p="http://schemas.openxmlformats.org/presentationml/2006/main">
+  <p:cSld>
+    <p:spTree>
+      <p:nvGrpSpPr>
+        <p:cNvPr id="1" name=""/>
+        <p:cNvGrpSpPr/>
+        <p:nvPr/>
+      </p:nvGrpSpPr>
+      <p:grpSpPr>
+        <a:xfrm>
+          <a:off x="0" y="0"/>
+          <a:ext cx="0" cy="0"/>
+          <a:chOff x="0" y="0"/>
+          <a:chExt cx="0" cy="0"/>
+        </a:xfrm>
+      </p:grpSpPr>
+      <p:sp>
+        <p:nvSpPr>
+          <p:cNvPr id="2" name="Slide Image Placeholder 1"/>
+          <p:cNvSpPr>
+            <a:spLocks noGrp="1" noRot="1" noChangeAspect="1"/>
+          </p:cNvSpPr>
+          <p:nvPr>
+            <p:ph type="sldImg"/>
+          </p:nvPr>
+        </p:nvSpPr>
+        <p:spPr/>
+      </p:sp>
+      <p:sp>
+        <p:nvSpPr>
+          <p:cNvPr id="3" name="Notes Placeholder 2"/>
+          <p:cNvSpPr>
+            <a:spLocks noGrp="1"/>
+          </p:cNvSpPr>
+          <p:nvPr>
+            <p:ph type="body" idx="1"/>
+          </p:nvPr>
+        </p:nvSpPr>
+        <p:spPr/>
+        <p:txBody>
+          <a:bodyPr/>
+          <a:lstStyle/>
+          <a:p>
+            <a:endParaRPr lang="en-US" dirty="0"/>
+          </a:p>
+        </p:txBody>
+      </p:sp>
+      <p:sp>
+        <p:nvSpPr>
+          <p:cNvPr id="4" name="Slide Number Placeholder 3"/>
+          <p:cNvSpPr>
+            <a:spLocks noGrp="1"/>
+          </p:cNvSpPr>
+          <p:nvPr>
+            <p:ph type="sldNum" sz="quarter" idx="10"/>
+          </p:nvPr>
+        </p:nvSpPr>
+        <p:spPr/>
+        <p:txBody>
+          <a:bodyPr/>
+          <a:lstStyle/>
+          <a:p>
+            <a:fld id="{DE04B385-195D-42A6-AD53-ED33A3B9CE57}" type="slidenum">
+              <a:rPr lang="en-US" smtClean="0"/>
+              <a:pPr/>
+              <a:t>13</a:t>
+            </a:fld>
+            <a:endParaRPr lang="en-US"/>
+          </a:p>
+        </p:txBody>
+      </p:sp>
+    </p:spTree>
+    <p:extLst>
+      <p:ext uri="{BB962C8B-B14F-4D97-AF65-F5344CB8AC3E}">
+        <p14:creationId xmlns:p14="http://schemas.microsoft.com/office/powerpoint/2010/main" val="2469818934"/>
       </p:ext>
     </p:extLst>
   </p:cSld>
@@ -919,7 +1881,7 @@
             <a:fld id="{6534EC56-5BE0-CF40-A0E9-9B07941CA105}" type="datetimeFigureOut">
               <a:rPr lang="en-US" smtClean="0"/>
               <a:pPr/>
-              <a:t>10/27/14</a:t>
+              <a:t>11/17/14</a:t>
             </a:fld>
             <a:endParaRPr lang="en-US"/>
           </a:p>
@@ -1253,7 +2215,7 @@
             <a:fld id="{6534EC56-5BE0-CF40-A0E9-9B07941CA105}" type="datetimeFigureOut">
               <a:rPr lang="en-US" smtClean="0"/>
               <a:pPr/>
-              <a:t>10/27/14</a:t>
+              <a:t>11/17/14</a:t>
             </a:fld>
             <a:endParaRPr lang="en-US"/>
           </a:p>
@@ -1587,7 +2549,7 @@
             <a:fld id="{6534EC56-5BE0-CF40-A0E9-9B07941CA105}" type="datetimeFigureOut">
               <a:rPr lang="en-US" smtClean="0"/>
               <a:pPr/>
-              <a:t>10/27/14</a:t>
+              <a:t>11/17/14</a:t>
             </a:fld>
             <a:endParaRPr lang="en-US"/>
           </a:p>
@@ -1921,7 +2883,7 @@
             <a:fld id="{6534EC56-5BE0-CF40-A0E9-9B07941CA105}" type="datetimeFigureOut">
               <a:rPr lang="en-US" smtClean="0"/>
               <a:pPr/>
-              <a:t>10/27/14</a:t>
+              <a:t>11/17/14</a:t>
             </a:fld>
             <a:endParaRPr lang="en-US"/>
           </a:p>
@@ -2612,7 +3574,7 @@
             <a:fld id="{6534EC56-5BE0-CF40-A0E9-9B07941CA105}" type="datetimeFigureOut">
               <a:rPr lang="en-US" smtClean="0"/>
               <a:pPr/>
-              <a:t>10/27/14</a:t>
+              <a:t>11/17/14</a:t>
             </a:fld>
             <a:endParaRPr lang="en-US"/>
           </a:p>
@@ -2793,7 +3755,7 @@
             <a:fld id="{6534EC56-5BE0-CF40-A0E9-9B07941CA105}" type="datetimeFigureOut">
               <a:rPr lang="en-US" smtClean="0"/>
               <a:pPr/>
-              <a:t>10/27/14</a:t>
+              <a:t>11/17/14</a:t>
             </a:fld>
             <a:endParaRPr lang="en-US"/>
           </a:p>
@@ -2969,7 +3931,7 @@
             <a:fld id="{6534EC56-5BE0-CF40-A0E9-9B07941CA105}" type="datetimeFigureOut">
               <a:rPr lang="en-US" smtClean="0"/>
               <a:pPr/>
-              <a:t>10/27/14</a:t>
+              <a:t>11/17/14</a:t>
             </a:fld>
             <a:endParaRPr lang="en-US"/>
           </a:p>
@@ -3219,7 +4181,7 @@
             <a:fld id="{6534EC56-5BE0-CF40-A0E9-9B07941CA105}" type="datetimeFigureOut">
               <a:rPr lang="en-US" smtClean="0"/>
               <a:pPr/>
-              <a:t>10/27/14</a:t>
+              <a:t>11/17/14</a:t>
             </a:fld>
             <a:endParaRPr lang="en-US"/>
           </a:p>
@@ -3551,7 +4513,7 @@
             <a:fld id="{6534EC56-5BE0-CF40-A0E9-9B07941CA105}" type="datetimeFigureOut">
               <a:rPr lang="en-US" smtClean="0"/>
               <a:pPr/>
-              <a:t>10/27/14</a:t>
+              <a:t>11/17/14</a:t>
             </a:fld>
             <a:endParaRPr lang="en-US"/>
           </a:p>
@@ -3845,7 +4807,7 @@
             <a:fld id="{6534EC56-5BE0-CF40-A0E9-9B07941CA105}" type="datetimeFigureOut">
               <a:rPr lang="en-US" smtClean="0"/>
               <a:pPr/>
-              <a:t>10/27/14</a:t>
+              <a:t>11/17/14</a:t>
             </a:fld>
             <a:endParaRPr lang="en-US"/>
           </a:p>
@@ -4283,7 +5245,7 @@
             <a:fld id="{6534EC56-5BE0-CF40-A0E9-9B07941CA105}" type="datetimeFigureOut">
               <a:rPr lang="en-US" smtClean="0"/>
               <a:pPr/>
-              <a:t>10/27/14</a:t>
+              <a:t>11/17/14</a:t>
             </a:fld>
             <a:endParaRPr lang="en-US"/>
           </a:p>
@@ -4472,7 +5434,7 @@
             <a:fld id="{6534EC56-5BE0-CF40-A0E9-9B07941CA105}" type="datetimeFigureOut">
               <a:rPr lang="en-US" smtClean="0"/>
               <a:pPr/>
-              <a:t>10/27/14</a:t>
+              <a:t>11/17/14</a:t>
             </a:fld>
             <a:endParaRPr lang="en-US"/>
           </a:p>
@@ -4564,7 +5526,7 @@
             <a:fld id="{6534EC56-5BE0-CF40-A0E9-9B07941CA105}" type="datetimeFigureOut">
               <a:rPr lang="en-US" smtClean="0"/>
               <a:pPr/>
-              <a:t>10/27/14</a:t>
+              <a:t>11/17/14</a:t>
             </a:fld>
             <a:endParaRPr lang="en-US"/>
           </a:p>
@@ -4847,7 +5809,7 @@
             <a:fld id="{6534EC56-5BE0-CF40-A0E9-9B07941CA105}" type="datetimeFigureOut">
               <a:rPr lang="en-US" smtClean="0"/>
               <a:pPr/>
-              <a:t>10/27/14</a:t>
+              <a:t>11/17/14</a:t>
             </a:fld>
             <a:endParaRPr lang="en-US"/>
           </a:p>
@@ -5070,7 +6032,7 @@
             <a:fld id="{6534EC56-5BE0-CF40-A0E9-9B07941CA105}" type="datetimeFigureOut">
               <a:rPr lang="en-US" smtClean="0"/>
               <a:pPr/>
-              <a:t>10/27/14</a:t>
+              <a:t>11/17/14</a:t>
             </a:fld>
             <a:endParaRPr lang="en-US"/>
           </a:p>
@@ -5586,13 +6548,8 @@
           <a:p>
             <a:r>
               <a:rPr lang="en-US" dirty="0" smtClean="0"/>
-              <a:t>Lab </a:t>
-            </a:r>
-            <a:r>
-              <a:rPr lang="en-US" dirty="0" smtClean="0"/>
-              <a:t>13</a:t>
-            </a:r>
-            <a:endParaRPr lang="en-US" dirty="0" smtClean="0"/>
+              <a:t>Lab 13</a:t>
+            </a:r>
           </a:p>
           <a:p>
             <a:r>
@@ -5657,7 +6614,7 @@
           <a:p>
             <a:r>
               <a:rPr lang="en-US" dirty="0" smtClean="0"/>
-              <a:t>Input</a:t>
+              <a:t>Normal Job of Hierarchy</a:t>
             </a:r>
             <a:endParaRPr lang="en-US" dirty="0"/>
           </a:p>
@@ -5675,96 +6632,75 @@
         </p:nvSpPr>
         <p:spPr/>
         <p:txBody>
-          <a:bodyPr>
-            <a:normAutofit/>
-          </a:bodyPr>
-          <a:lstStyle/>
-          <a:p>
-            <a:r>
-              <a:rPr lang="en-US" dirty="0" smtClean="0"/>
-              <a:t>State machines</a:t>
+          <a:bodyPr/>
+          <a:lstStyle/>
+          <a:p>
+            <a:r>
+              <a:rPr lang="en-US" dirty="0" smtClean="0"/>
+              <a:t>Parent elements set children up for drawing (0,0; clipping)</a:t>
             </a:r>
           </a:p>
           <a:p>
             <a:pPr lvl="1"/>
             <a:r>
               <a:rPr lang="en-US" dirty="0" smtClean="0"/>
-              <a:t>done manually unless you're using an existing widget</a:t>
+              <a:t>In web programming?</a:t>
+            </a:r>
+          </a:p>
+          <a:p>
+            <a:r>
+              <a:rPr lang="en-US" dirty="0" smtClean="0"/>
+              <a:t>Efficiently handle damage/redraw</a:t>
             </a:r>
           </a:p>
           <a:p>
             <a:pPr lvl="1"/>
             <a:r>
               <a:rPr lang="en-US" dirty="0" smtClean="0"/>
-              <a:t>where do existing widgets come from?</a:t>
-            </a:r>
-          </a:p>
-          <a:p>
-            <a:pPr lvl="2"/>
-            <a:r>
-              <a:rPr lang="en-US" dirty="0" smtClean="0"/>
-              <a:t>browser, or library like </a:t>
-            </a:r>
-            <a:r>
-              <a:rPr lang="en-US" dirty="0" err="1" smtClean="0"/>
-              <a:t>jQueryUI</a:t>
-            </a:r>
-            <a:endParaRPr lang="en-US" dirty="0" smtClean="0"/>
-          </a:p>
-          <a:p>
-            <a:r>
-              <a:rPr lang="en-US" dirty="0" smtClean="0"/>
-              <a:t>Event modeling</a:t>
+              <a:t>In web programming?</a:t>
+            </a:r>
+          </a:p>
+          <a:p>
+            <a:r>
+              <a:rPr lang="en-US" dirty="0" smtClean="0"/>
+              <a:t>Layout management</a:t>
             </a:r>
           </a:p>
           <a:p>
             <a:pPr lvl="1"/>
             <a:r>
               <a:rPr lang="en-US" dirty="0" smtClean="0"/>
-              <a:t>event handlers get an event</a:t>
-            </a:r>
-          </a:p>
-          <a:p>
-            <a:r>
-              <a:rPr lang="en-US" dirty="0" smtClean="0"/>
-              <a:t>Event dispatch</a:t>
+              <a:t>Done dynamically just before redraw</a:t>
             </a:r>
           </a:p>
           <a:p>
             <a:pPr lvl="1"/>
             <a:r>
               <a:rPr lang="en-US" dirty="0" smtClean="0"/>
-              <a:t>capture/bubbling</a:t>
+              <a:t>Top down + bottom up combined</a:t>
             </a:r>
           </a:p>
           <a:p>
             <a:pPr lvl="1"/>
             <a:r>
               <a:rPr lang="en-US" dirty="0" smtClean="0"/>
-              <a:t>picking: position </a:t>
-            </a:r>
-            <a:r>
-              <a:rPr lang="en-US" dirty="0" err="1" smtClean="0"/>
-              <a:t>vs</a:t>
-            </a:r>
-            <a:r>
-              <a:rPr lang="en-US" dirty="0" smtClean="0"/>
-              <a:t> focus</a:t>
-            </a:r>
-          </a:p>
-          <a:p>
-            <a:pPr lvl="2"/>
-            <a:r>
-              <a:rPr lang="en-US" dirty="0" smtClean="0"/>
-              <a:t>mouse things are generally position, keyboard things are focus</a:t>
-            </a:r>
+              <a:t>Specified through the hierarchy (e.g. springs and struts)</a:t>
+            </a:r>
+          </a:p>
+          <a:p>
+            <a:pPr lvl="1"/>
+            <a:r>
+              <a:rPr lang="en-US" dirty="0" smtClean="0"/>
+              <a:t>In web programming?</a:t>
+            </a:r>
+            <a:endParaRPr lang="en-US" dirty="0"/>
           </a:p>
         </p:txBody>
       </p:sp>
     </p:spTree>
     <p:extLst>
       <p:ext uri="{BB962C8B-B14F-4D97-AF65-F5344CB8AC3E}">
-        <p14:creationId xmlns:p14="http://schemas.microsoft.com/office/powerpoint/2010/main" val="3735268139"/>
+        <p14:creationId xmlns:p14="http://schemas.microsoft.com/office/powerpoint/2010/main" val="370817313"/>
       </p:ext>
     </p:extLst>
   </p:cSld>
@@ -5815,6 +6751,725 @@
           <a:p>
             <a:r>
               <a:rPr lang="en-US" dirty="0" smtClean="0"/>
+              <a:t>Layout: more details</a:t>
+            </a:r>
+            <a:endParaRPr lang="en-US" dirty="0"/>
+          </a:p>
+        </p:txBody>
+      </p:sp>
+      <p:sp>
+        <p:nvSpPr>
+          <p:cNvPr id="3" name="Content Placeholder 2"/>
+          <p:cNvSpPr>
+            <a:spLocks noGrp="1"/>
+          </p:cNvSpPr>
+          <p:nvPr>
+            <p:ph idx="1"/>
+          </p:nvPr>
+        </p:nvSpPr>
+        <p:spPr/>
+        <p:txBody>
+          <a:bodyPr>
+            <a:normAutofit/>
+          </a:bodyPr>
+          <a:lstStyle/>
+          <a:p>
+            <a:r>
+              <a:rPr lang="en-US" dirty="0"/>
+              <a:t>Parent renderer determines its own width.</a:t>
+            </a:r>
+          </a:p>
+          <a:p>
+            <a:r>
+              <a:rPr lang="en-US" dirty="0"/>
+              <a:t>Parent goes over children and:</a:t>
+            </a:r>
+          </a:p>
+          <a:p>
+            <a:pPr lvl="1"/>
+            <a:r>
+              <a:rPr lang="en-US" dirty="0"/>
+              <a:t>Place the child </a:t>
+            </a:r>
+            <a:r>
+              <a:rPr lang="en-US" dirty="0" smtClean="0"/>
+              <a:t>renderer </a:t>
+            </a:r>
+            <a:r>
+              <a:rPr lang="en-US" dirty="0"/>
+              <a:t>(sets its x and y).</a:t>
+            </a:r>
+          </a:p>
+          <a:p>
+            <a:pPr lvl="1"/>
+            <a:r>
+              <a:rPr lang="en-US" dirty="0"/>
+              <a:t>Calls child layout if needed(they are dirty or we are in a global layout or some other reason) - this calculates the child's height.</a:t>
+            </a:r>
+          </a:p>
+          <a:p>
+            <a:r>
+              <a:rPr lang="en-US" dirty="0"/>
+              <a:t>Parent uses children accumulative heights and the heights of the margins and paddings to set it own height - this will be used by the parent renderer's parent.</a:t>
+            </a:r>
+          </a:p>
+          <a:p>
+            <a:r>
+              <a:rPr lang="en-US" dirty="0"/>
+              <a:t>Sets its dirty bit to false.</a:t>
+            </a:r>
+          </a:p>
+        </p:txBody>
+      </p:sp>
+    </p:spTree>
+    <p:extLst>
+      <p:ext uri="{BB962C8B-B14F-4D97-AF65-F5344CB8AC3E}">
+        <p14:creationId xmlns:p14="http://schemas.microsoft.com/office/powerpoint/2010/main" val="229211485"/>
+      </p:ext>
+    </p:extLst>
+  </p:cSld>
+  <p:clrMapOvr>
+    <a:masterClrMapping/>
+  </p:clrMapOvr>
+  <p:timing>
+    <p:tnLst>
+      <p:par>
+        <p:cTn xmlns:p14="http://schemas.microsoft.com/office/powerpoint/2010/main" id="1" dur="indefinite" restart="never" nodeType="tmRoot"/>
+      </p:par>
+    </p:tnLst>
+  </p:timing>
+</p:sld>
+</file>
+
+<file path=ppt/slides/slide12.xml><?xml version="1.0" encoding="utf-8"?>
+<p:sld xmlns:a="http://schemas.openxmlformats.org/drawingml/2006/main" xmlns:r="http://schemas.openxmlformats.org/officeDocument/2006/relationships" xmlns:p="http://schemas.openxmlformats.org/presentationml/2006/main">
+  <p:cSld>
+    <p:spTree>
+      <p:nvGrpSpPr>
+        <p:cNvPr id="1" name=""/>
+        <p:cNvGrpSpPr/>
+        <p:nvPr/>
+      </p:nvGrpSpPr>
+      <p:grpSpPr>
+        <a:xfrm>
+          <a:off x="0" y="0"/>
+          <a:ext cx="0" cy="0"/>
+          <a:chOff x="0" y="0"/>
+          <a:chExt cx="0" cy="0"/>
+        </a:xfrm>
+      </p:grpSpPr>
+      <p:sp>
+        <p:nvSpPr>
+          <p:cNvPr id="2" name="Title 1"/>
+          <p:cNvSpPr>
+            <a:spLocks noGrp="1"/>
+          </p:cNvSpPr>
+          <p:nvPr>
+            <p:ph type="title"/>
+          </p:nvPr>
+        </p:nvSpPr>
+        <p:spPr/>
+        <p:txBody>
+          <a:bodyPr>
+            <a:normAutofit fontScale="90000"/>
+          </a:bodyPr>
+          <a:lstStyle/>
+          <a:p>
+            <a:r>
+              <a:rPr lang="en-US" dirty="0" smtClean="0"/>
+              <a:t>Spans &amp; </a:t>
+            </a:r>
+            <a:r>
+              <a:rPr lang="en-US" dirty="0" err="1" smtClean="0"/>
+              <a:t>Divs</a:t>
+            </a:r>
+            <a:r>
+              <a:rPr lang="en-US" dirty="0" smtClean="0"/>
+              <a:t> </a:t>
+            </a:r>
+            <a:r>
+              <a:rPr lang="en-US" dirty="0" err="1" smtClean="0"/>
+              <a:t>vs</a:t>
+            </a:r>
+            <a:r>
+              <a:rPr lang="en-US" dirty="0" smtClean="0"/>
+              <a:t> Rows &amp; Cols</a:t>
+            </a:r>
+            <a:endParaRPr lang="en-US" dirty="0"/>
+          </a:p>
+        </p:txBody>
+      </p:sp>
+      <p:sp>
+        <p:nvSpPr>
+          <p:cNvPr id="3" name="Content Placeholder 2"/>
+          <p:cNvSpPr>
+            <a:spLocks noGrp="1"/>
+          </p:cNvSpPr>
+          <p:nvPr>
+            <p:ph idx="1"/>
+          </p:nvPr>
+        </p:nvSpPr>
+        <p:spPr/>
+        <p:txBody>
+          <a:bodyPr/>
+          <a:lstStyle/>
+          <a:p>
+            <a:r>
+              <a:rPr lang="en-US" dirty="0" smtClean="0"/>
+              <a:t>You know rows and columns e.g. in Swing?</a:t>
+            </a:r>
+            <a:r>
+              <a:rPr lang="en-US" dirty="0"/>
+              <a:t> </a:t>
+            </a:r>
+            <a:r>
+              <a:rPr lang="en-US" dirty="0" smtClean="0"/>
+              <a:t>Can you do those in </a:t>
+            </a:r>
+            <a:r>
+              <a:rPr lang="en-US" dirty="0" err="1" smtClean="0"/>
+              <a:t>Javascript</a:t>
+            </a:r>
+            <a:r>
+              <a:rPr lang="en-US" dirty="0" smtClean="0"/>
+              <a:t>?</a:t>
+            </a:r>
+          </a:p>
+          <a:p>
+            <a:r>
+              <a:rPr lang="en-US" dirty="0" smtClean="0"/>
+              <a:t>What's the difference between laying out a page of rows and columns, and laying out a page of spans and </a:t>
+            </a:r>
+            <a:r>
+              <a:rPr lang="en-US" dirty="0" err="1" smtClean="0"/>
+              <a:t>divs</a:t>
+            </a:r>
+            <a:r>
+              <a:rPr lang="en-US" dirty="0" smtClean="0"/>
+              <a:t>?</a:t>
+            </a:r>
+          </a:p>
+        </p:txBody>
+      </p:sp>
+    </p:spTree>
+    <p:extLst>
+      <p:ext uri="{BB962C8B-B14F-4D97-AF65-F5344CB8AC3E}">
+        <p14:creationId xmlns:p14="http://schemas.microsoft.com/office/powerpoint/2010/main" val="1077785817"/>
+      </p:ext>
+    </p:extLst>
+  </p:cSld>
+  <p:clrMapOvr>
+    <a:masterClrMapping/>
+  </p:clrMapOvr>
+</p:sld>
+</file>
+
+<file path=ppt/slides/slide13.xml><?xml version="1.0" encoding="utf-8"?>
+<p:sld xmlns:a="http://schemas.openxmlformats.org/drawingml/2006/main" xmlns:r="http://schemas.openxmlformats.org/officeDocument/2006/relationships" xmlns:p="http://schemas.openxmlformats.org/presentationml/2006/main">
+  <p:cSld>
+    <p:spTree>
+      <p:nvGrpSpPr>
+        <p:cNvPr id="1" name=""/>
+        <p:cNvGrpSpPr/>
+        <p:nvPr/>
+      </p:nvGrpSpPr>
+      <p:grpSpPr>
+        <a:xfrm>
+          <a:off x="0" y="0"/>
+          <a:ext cx="0" cy="0"/>
+          <a:chOff x="0" y="0"/>
+          <a:chExt cx="0" cy="0"/>
+        </a:xfrm>
+      </p:grpSpPr>
+      <p:sp>
+        <p:nvSpPr>
+          <p:cNvPr id="2" name="Title 1"/>
+          <p:cNvSpPr>
+            <a:spLocks noGrp="1"/>
+          </p:cNvSpPr>
+          <p:nvPr>
+            <p:ph type="title"/>
+          </p:nvPr>
+        </p:nvSpPr>
+        <p:spPr/>
+        <p:txBody>
+          <a:bodyPr>
+            <a:normAutofit/>
+          </a:bodyPr>
+          <a:lstStyle/>
+          <a:p>
+            <a:r>
+              <a:rPr lang="en-US" dirty="0" smtClean="0"/>
+              <a:t>How else can you do layout?</a:t>
+            </a:r>
+            <a:endParaRPr lang="en-US" dirty="0"/>
+          </a:p>
+        </p:txBody>
+      </p:sp>
+      <p:sp>
+        <p:nvSpPr>
+          <p:cNvPr id="3" name="Content Placeholder 2"/>
+          <p:cNvSpPr>
+            <a:spLocks noGrp="1"/>
+          </p:cNvSpPr>
+          <p:nvPr>
+            <p:ph idx="1"/>
+          </p:nvPr>
+        </p:nvSpPr>
+        <p:spPr/>
+        <p:txBody>
+          <a:bodyPr/>
+          <a:lstStyle/>
+          <a:p>
+            <a:r>
+              <a:rPr lang="en-US" dirty="0" smtClean="0"/>
+              <a:t>Boxes &amp; Glue – web equivalent?</a:t>
+            </a:r>
+          </a:p>
+          <a:p>
+            <a:pPr lvl="1"/>
+            <a:r>
+              <a:rPr lang="en-US" dirty="0" smtClean="0"/>
+              <a:t>well, this is just a little more general than springs and struts – glue has a "stretchiness" and min and max values; you can really do all the same things here</a:t>
+            </a:r>
+          </a:p>
+          <a:p>
+            <a:r>
+              <a:rPr lang="en-US" dirty="0" smtClean="0"/>
+              <a:t>Constraints – web equivalent?</a:t>
+            </a:r>
+          </a:p>
+          <a:p>
+            <a:pPr lvl="1"/>
+            <a:r>
+              <a:rPr lang="en-US" dirty="0"/>
+              <a:t>http://</a:t>
+            </a:r>
+            <a:r>
+              <a:rPr lang="en-US" dirty="0" err="1"/>
+              <a:t>cjs.from.so</a:t>
+            </a:r>
+            <a:r>
+              <a:rPr lang="en-US" dirty="0"/>
+              <a:t>/</a:t>
+            </a:r>
+            <a:endParaRPr lang="en-US" dirty="0" smtClean="0"/>
+          </a:p>
+          <a:p>
+            <a:r>
+              <a:rPr lang="en-US" dirty="0" smtClean="0"/>
+              <a:t>Absolute layout?</a:t>
+            </a:r>
+          </a:p>
+          <a:p>
+            <a:pPr lvl="1"/>
+            <a:endParaRPr lang="en-US" dirty="0"/>
+          </a:p>
+        </p:txBody>
+      </p:sp>
+    </p:spTree>
+    <p:extLst>
+      <p:ext uri="{BB962C8B-B14F-4D97-AF65-F5344CB8AC3E}">
+        <p14:creationId xmlns:p14="http://schemas.microsoft.com/office/powerpoint/2010/main" val="272183541"/>
+      </p:ext>
+    </p:extLst>
+  </p:cSld>
+  <p:clrMapOvr>
+    <a:masterClrMapping/>
+  </p:clrMapOvr>
+</p:sld>
+</file>
+
+<file path=ppt/slides/slide14.xml><?xml version="1.0" encoding="utf-8"?>
+<p:sld xmlns:a="http://schemas.openxmlformats.org/drawingml/2006/main" xmlns:r="http://schemas.openxmlformats.org/officeDocument/2006/relationships" xmlns:p="http://schemas.openxmlformats.org/presentationml/2006/main">
+  <p:cSld>
+    <p:spTree>
+      <p:nvGrpSpPr>
+        <p:cNvPr id="1" name=""/>
+        <p:cNvGrpSpPr/>
+        <p:nvPr/>
+      </p:nvGrpSpPr>
+      <p:grpSpPr>
+        <a:xfrm>
+          <a:off x="0" y="0"/>
+          <a:ext cx="0" cy="0"/>
+          <a:chOff x="0" y="0"/>
+          <a:chExt cx="0" cy="0"/>
+        </a:xfrm>
+      </p:grpSpPr>
+      <p:sp>
+        <p:nvSpPr>
+          <p:cNvPr id="2" name="Title 1"/>
+          <p:cNvSpPr>
+            <a:spLocks noGrp="1"/>
+          </p:cNvSpPr>
+          <p:nvPr>
+            <p:ph type="title"/>
+          </p:nvPr>
+        </p:nvSpPr>
+        <p:spPr/>
+        <p:txBody>
+          <a:bodyPr/>
+          <a:lstStyle/>
+          <a:p>
+            <a:r>
+              <a:rPr lang="en-US" dirty="0" smtClean="0"/>
+              <a:t>Input</a:t>
+            </a:r>
+            <a:endParaRPr lang="en-US" dirty="0"/>
+          </a:p>
+        </p:txBody>
+      </p:sp>
+      <p:sp>
+        <p:nvSpPr>
+          <p:cNvPr id="3" name="Content Placeholder 2"/>
+          <p:cNvSpPr>
+            <a:spLocks noGrp="1"/>
+          </p:cNvSpPr>
+          <p:nvPr>
+            <p:ph idx="1"/>
+          </p:nvPr>
+        </p:nvSpPr>
+        <p:spPr/>
+        <p:txBody>
+          <a:bodyPr>
+            <a:normAutofit/>
+          </a:bodyPr>
+          <a:lstStyle/>
+          <a:p>
+            <a:r>
+              <a:rPr lang="en-US" dirty="0" smtClean="0"/>
+              <a:t>State machines</a:t>
+            </a:r>
+          </a:p>
+          <a:p>
+            <a:pPr lvl="1"/>
+            <a:r>
+              <a:rPr lang="en-US" dirty="0" smtClean="0"/>
+              <a:t>done manually unless you're using an existing widget</a:t>
+            </a:r>
+          </a:p>
+          <a:p>
+            <a:pPr lvl="1"/>
+            <a:r>
+              <a:rPr lang="en-US" dirty="0" smtClean="0"/>
+              <a:t>where do existing widgets come from?</a:t>
+            </a:r>
+          </a:p>
+          <a:p>
+            <a:pPr lvl="2"/>
+            <a:r>
+              <a:rPr lang="en-US" dirty="0" smtClean="0"/>
+              <a:t>browser, or library like </a:t>
+            </a:r>
+            <a:r>
+              <a:rPr lang="en-US" dirty="0" err="1" smtClean="0"/>
+              <a:t>jQueryUI</a:t>
+            </a:r>
+            <a:endParaRPr lang="en-US" dirty="0" smtClean="0"/>
+          </a:p>
+          <a:p>
+            <a:pPr lvl="2"/>
+            <a:endParaRPr lang="en-US" dirty="0"/>
+          </a:p>
+          <a:p>
+            <a:pPr lvl="1"/>
+            <a:r>
+              <a:rPr lang="en-US" dirty="0" smtClean="0"/>
+              <a:t>Can you ‘add’ a state machine to any element?</a:t>
+            </a:r>
+          </a:p>
+        </p:txBody>
+      </p:sp>
+    </p:spTree>
+    <p:extLst>
+      <p:ext uri="{BB962C8B-B14F-4D97-AF65-F5344CB8AC3E}">
+        <p14:creationId xmlns:p14="http://schemas.microsoft.com/office/powerpoint/2010/main" val="3735268139"/>
+      </p:ext>
+    </p:extLst>
+  </p:cSld>
+  <p:clrMapOvr>
+    <a:masterClrMapping/>
+  </p:clrMapOvr>
+  <p:timing>
+    <p:tnLst>
+      <p:par>
+        <p:cTn xmlns:p14="http://schemas.microsoft.com/office/powerpoint/2010/main" id="1" dur="indefinite" restart="never" nodeType="tmRoot"/>
+      </p:par>
+    </p:tnLst>
+  </p:timing>
+</p:sld>
+</file>
+
+<file path=ppt/slides/slide15.xml><?xml version="1.0" encoding="utf-8"?>
+<p:sld xmlns:a="http://schemas.openxmlformats.org/drawingml/2006/main" xmlns:r="http://schemas.openxmlformats.org/officeDocument/2006/relationships" xmlns:p="http://schemas.openxmlformats.org/presentationml/2006/main">
+  <p:cSld>
+    <p:spTree>
+      <p:nvGrpSpPr>
+        <p:cNvPr id="1" name=""/>
+        <p:cNvGrpSpPr/>
+        <p:nvPr/>
+      </p:nvGrpSpPr>
+      <p:grpSpPr>
+        <a:xfrm>
+          <a:off x="0" y="0"/>
+          <a:ext cx="0" cy="0"/>
+          <a:chOff x="0" y="0"/>
+          <a:chExt cx="0" cy="0"/>
+        </a:xfrm>
+      </p:grpSpPr>
+      <p:sp>
+        <p:nvSpPr>
+          <p:cNvPr id="2" name="Title 1"/>
+          <p:cNvSpPr>
+            <a:spLocks noGrp="1"/>
+          </p:cNvSpPr>
+          <p:nvPr>
+            <p:ph type="title"/>
+          </p:nvPr>
+        </p:nvSpPr>
+        <p:spPr/>
+        <p:txBody>
+          <a:bodyPr/>
+          <a:lstStyle/>
+          <a:p>
+            <a:r>
+              <a:rPr lang="en-US" dirty="0" smtClean="0"/>
+              <a:t>Input</a:t>
+            </a:r>
+            <a:endParaRPr lang="en-US" dirty="0"/>
+          </a:p>
+        </p:txBody>
+      </p:sp>
+      <p:sp>
+        <p:nvSpPr>
+          <p:cNvPr id="3" name="Content Placeholder 2"/>
+          <p:cNvSpPr>
+            <a:spLocks noGrp="1"/>
+          </p:cNvSpPr>
+          <p:nvPr>
+            <p:ph idx="1"/>
+          </p:nvPr>
+        </p:nvSpPr>
+        <p:spPr/>
+        <p:txBody>
+          <a:bodyPr>
+            <a:normAutofit/>
+          </a:bodyPr>
+          <a:lstStyle/>
+          <a:p>
+            <a:r>
+              <a:rPr lang="en-US" dirty="0" smtClean="0"/>
+              <a:t>Event modeling</a:t>
+            </a:r>
+          </a:p>
+          <a:p>
+            <a:pPr lvl="1"/>
+            <a:r>
+              <a:rPr lang="en-US" dirty="0" smtClean="0"/>
+              <a:t>event handlers get an event</a:t>
+            </a:r>
+          </a:p>
+        </p:txBody>
+      </p:sp>
+    </p:spTree>
+    <p:extLst>
+      <p:ext uri="{BB962C8B-B14F-4D97-AF65-F5344CB8AC3E}">
+        <p14:creationId xmlns:p14="http://schemas.microsoft.com/office/powerpoint/2010/main" val="1029254713"/>
+      </p:ext>
+    </p:extLst>
+  </p:cSld>
+  <p:clrMapOvr>
+    <a:masterClrMapping/>
+  </p:clrMapOvr>
+  <p:timing>
+    <p:tnLst>
+      <p:par>
+        <p:cTn xmlns:p14="http://schemas.microsoft.com/office/powerpoint/2010/main" id="1" dur="indefinite" restart="never" nodeType="tmRoot"/>
+      </p:par>
+    </p:tnLst>
+  </p:timing>
+</p:sld>
+</file>
+
+<file path=ppt/slides/slide16.xml><?xml version="1.0" encoding="utf-8"?>
+<p:sld xmlns:a="http://schemas.openxmlformats.org/drawingml/2006/main" xmlns:r="http://schemas.openxmlformats.org/officeDocument/2006/relationships" xmlns:p="http://schemas.openxmlformats.org/presentationml/2006/main">
+  <p:cSld>
+    <p:spTree>
+      <p:nvGrpSpPr>
+        <p:cNvPr id="1" name=""/>
+        <p:cNvGrpSpPr/>
+        <p:nvPr/>
+      </p:nvGrpSpPr>
+      <p:grpSpPr>
+        <a:xfrm>
+          <a:off x="0" y="0"/>
+          <a:ext cx="0" cy="0"/>
+          <a:chOff x="0" y="0"/>
+          <a:chExt cx="0" cy="0"/>
+        </a:xfrm>
+      </p:grpSpPr>
+      <p:sp>
+        <p:nvSpPr>
+          <p:cNvPr id="2" name="Title 1"/>
+          <p:cNvSpPr>
+            <a:spLocks noGrp="1"/>
+          </p:cNvSpPr>
+          <p:nvPr>
+            <p:ph type="title"/>
+          </p:nvPr>
+        </p:nvSpPr>
+        <p:spPr/>
+        <p:txBody>
+          <a:bodyPr/>
+          <a:lstStyle/>
+          <a:p>
+            <a:r>
+              <a:rPr lang="en-US" dirty="0" smtClean="0"/>
+              <a:t>Input</a:t>
+            </a:r>
+            <a:endParaRPr lang="en-US" dirty="0"/>
+          </a:p>
+        </p:txBody>
+      </p:sp>
+      <p:sp>
+        <p:nvSpPr>
+          <p:cNvPr id="3" name="Content Placeholder 2"/>
+          <p:cNvSpPr>
+            <a:spLocks noGrp="1"/>
+          </p:cNvSpPr>
+          <p:nvPr>
+            <p:ph idx="1"/>
+          </p:nvPr>
+        </p:nvSpPr>
+        <p:spPr/>
+        <p:txBody>
+          <a:bodyPr>
+            <a:normAutofit/>
+          </a:bodyPr>
+          <a:lstStyle/>
+          <a:p>
+            <a:r>
+              <a:rPr lang="en-US" dirty="0" smtClean="0"/>
+              <a:t>Event modeling</a:t>
+            </a:r>
+          </a:p>
+          <a:p>
+            <a:pPr lvl="1"/>
+            <a:r>
+              <a:rPr lang="en-US" dirty="0" smtClean="0"/>
+              <a:t>event handlers get an event</a:t>
+            </a:r>
+          </a:p>
+          <a:p>
+            <a:r>
+              <a:rPr lang="en-US" dirty="0" smtClean="0"/>
+              <a:t>Event dispatch</a:t>
+            </a:r>
+          </a:p>
+          <a:p>
+            <a:pPr lvl="1"/>
+            <a:r>
+              <a:rPr lang="en-US" dirty="0" smtClean="0"/>
+              <a:t>picking: position </a:t>
+            </a:r>
+            <a:r>
+              <a:rPr lang="en-US" dirty="0" err="1" smtClean="0"/>
+              <a:t>vs</a:t>
+            </a:r>
+            <a:r>
+              <a:rPr lang="en-US" dirty="0" smtClean="0"/>
+              <a:t> focus</a:t>
+            </a:r>
+          </a:p>
+          <a:p>
+            <a:pPr lvl="2"/>
+            <a:r>
+              <a:rPr lang="en-US" dirty="0" smtClean="0"/>
+              <a:t>mouse things are generally position, keyboard things are focus</a:t>
+            </a:r>
+          </a:p>
+          <a:p>
+            <a:pPr lvl="2"/>
+            <a:r>
+              <a:rPr lang="en-US" dirty="0" smtClean="0"/>
+              <a:t>Any way to manipulate picking?</a:t>
+            </a:r>
+          </a:p>
+          <a:p>
+            <a:pPr lvl="1"/>
+            <a:r>
+              <a:rPr lang="en-US" dirty="0"/>
+              <a:t>capture/</a:t>
+            </a:r>
+            <a:r>
+              <a:rPr lang="en-US" dirty="0" smtClean="0"/>
+              <a:t>bubbling</a:t>
+            </a:r>
+          </a:p>
+          <a:p>
+            <a:pPr lvl="2"/>
+            <a:r>
+              <a:rPr lang="en-US" dirty="0" smtClean="0"/>
+              <a:t>can you manipulate when your events get handled?</a:t>
+            </a:r>
+          </a:p>
+        </p:txBody>
+      </p:sp>
+    </p:spTree>
+    <p:extLst>
+      <p:ext uri="{BB962C8B-B14F-4D97-AF65-F5344CB8AC3E}">
+        <p14:creationId xmlns:p14="http://schemas.microsoft.com/office/powerpoint/2010/main" val="2019296298"/>
+      </p:ext>
+    </p:extLst>
+  </p:cSld>
+  <p:clrMapOvr>
+    <a:masterClrMapping/>
+  </p:clrMapOvr>
+  <p:timing>
+    <p:tnLst>
+      <p:par>
+        <p:cTn xmlns:p14="http://schemas.microsoft.com/office/powerpoint/2010/main" id="1" dur="indefinite" restart="never" nodeType="tmRoot"/>
+      </p:par>
+    </p:tnLst>
+  </p:timing>
+</p:sld>
+</file>
+
+<file path=ppt/slides/slide17.xml><?xml version="1.0" encoding="utf-8"?>
+<p:sld xmlns:a="http://schemas.openxmlformats.org/drawingml/2006/main" xmlns:r="http://schemas.openxmlformats.org/officeDocument/2006/relationships" xmlns:p="http://schemas.openxmlformats.org/presentationml/2006/main">
+  <p:cSld>
+    <p:spTree>
+      <p:nvGrpSpPr>
+        <p:cNvPr id="1" name=""/>
+        <p:cNvGrpSpPr/>
+        <p:nvPr/>
+      </p:nvGrpSpPr>
+      <p:grpSpPr>
+        <a:xfrm>
+          <a:off x="0" y="0"/>
+          <a:ext cx="0" cy="0"/>
+          <a:chOff x="0" y="0"/>
+          <a:chExt cx="0" cy="0"/>
+        </a:xfrm>
+      </p:grpSpPr>
+      <p:sp>
+        <p:nvSpPr>
+          <p:cNvPr id="2" name="Title 1"/>
+          <p:cNvSpPr>
+            <a:spLocks noGrp="1"/>
+          </p:cNvSpPr>
+          <p:nvPr>
+            <p:ph type="title"/>
+          </p:nvPr>
+        </p:nvSpPr>
+        <p:spPr/>
+        <p:txBody>
+          <a:bodyPr/>
+          <a:lstStyle/>
+          <a:p>
+            <a:r>
+              <a:rPr lang="en-US" dirty="0" smtClean="0"/>
               <a:t>Human Properties</a:t>
             </a:r>
             <a:endParaRPr lang="en-US" dirty="0"/>
@@ -5899,7 +7554,7 @@
 </p:sld>
 </file>
 
-<file path=ppt/slides/slide12.xml><?xml version="1.0" encoding="utf-8"?>
+<file path=ppt/slides/slide18.xml><?xml version="1.0" encoding="utf-8"?>
 <p:sld xmlns:a="http://schemas.openxmlformats.org/drawingml/2006/main" xmlns:r="http://schemas.openxmlformats.org/officeDocument/2006/relationships" xmlns:p="http://schemas.openxmlformats.org/presentationml/2006/main">
   <p:cSld>
     <p:spTree>
@@ -5983,7 +7638,7 @@
 </p:sld>
 </file>
 
-<file path=ppt/slides/slide13.xml><?xml version="1.0" encoding="utf-8"?>
+<file path=ppt/slides/slide19.xml><?xml version="1.0" encoding="utf-8"?>
 <p:sld xmlns:a="http://schemas.openxmlformats.org/drawingml/2006/main" xmlns:r="http://schemas.openxmlformats.org/officeDocument/2006/relationships" xmlns:p="http://schemas.openxmlformats.org/presentationml/2006/main">
   <p:cSld>
     <p:spTree>
@@ -6032,7 +7687,7 @@
           <p:nvPr/>
         </p:nvPicPr>
         <p:blipFill>
-          <a:blip r:embed="rId2"/>
+          <a:blip r:embed="rId3"/>
           <a:stretch>
             <a:fillRect/>
           </a:stretch>
@@ -6067,94 +7722,6 @@
 </p:sld>
 </file>
 
-<file path=ppt/slides/slide14.xml><?xml version="1.0" encoding="utf-8"?>
-<p:sld xmlns:a="http://schemas.openxmlformats.org/drawingml/2006/main" xmlns:r="http://schemas.openxmlformats.org/officeDocument/2006/relationships" xmlns:p="http://schemas.openxmlformats.org/presentationml/2006/main">
-  <p:cSld>
-    <p:spTree>
-      <p:nvGrpSpPr>
-        <p:cNvPr id="1" name=""/>
-        <p:cNvGrpSpPr/>
-        <p:nvPr/>
-      </p:nvGrpSpPr>
-      <p:grpSpPr>
-        <a:xfrm>
-          <a:off x="0" y="0"/>
-          <a:ext cx="0" cy="0"/>
-          <a:chOff x="0" y="0"/>
-          <a:chExt cx="0" cy="0"/>
-        </a:xfrm>
-      </p:grpSpPr>
-      <p:sp>
-        <p:nvSpPr>
-          <p:cNvPr id="2" name="Title 1"/>
-          <p:cNvSpPr>
-            <a:spLocks noGrp="1"/>
-          </p:cNvSpPr>
-          <p:nvPr>
-            <p:ph type="title"/>
-          </p:nvPr>
-        </p:nvSpPr>
-        <p:spPr/>
-        <p:txBody>
-          <a:bodyPr/>
-          <a:lstStyle/>
-          <a:p>
-            <a:r>
-              <a:rPr lang="en-US" dirty="0" smtClean="0"/>
-              <a:t>Model-View-Controller</a:t>
-            </a:r>
-            <a:endParaRPr lang="en-US" dirty="0"/>
-          </a:p>
-        </p:txBody>
-      </p:sp>
-      <p:sp>
-        <p:nvSpPr>
-          <p:cNvPr id="4" name="Content Placeholder 2"/>
-          <p:cNvSpPr>
-            <a:spLocks noGrp="1"/>
-          </p:cNvSpPr>
-          <p:nvPr>
-            <p:ph idx="1"/>
-          </p:nvPr>
-        </p:nvSpPr>
-        <p:spPr>
-          <a:xfrm>
-            <a:off x="685800" y="1869141"/>
-            <a:ext cx="7770813" cy="4257022"/>
-          </a:xfrm>
-        </p:spPr>
-        <p:txBody>
-          <a:bodyPr/>
-          <a:lstStyle/>
-          <a:p>
-            <a:r>
-              <a:rPr lang="en-US" smtClean="0"/>
-              <a:t>Loosely: HTML-CSS-JS</a:t>
-            </a:r>
-            <a:endParaRPr lang="en-US" dirty="0"/>
-          </a:p>
-        </p:txBody>
-      </p:sp>
-    </p:spTree>
-    <p:extLst>
-      <p:ext uri="{BB962C8B-B14F-4D97-AF65-F5344CB8AC3E}">
-        <p14:creationId xmlns:p14="http://schemas.microsoft.com/office/powerpoint/2010/main" val="2375927405"/>
-      </p:ext>
-    </p:extLst>
-  </p:cSld>
-  <p:clrMapOvr>
-    <a:masterClrMapping/>
-  </p:clrMapOvr>
-  <p:timing>
-    <p:tnLst>
-      <p:par>
-        <p:cTn xmlns:p14="http://schemas.microsoft.com/office/powerpoint/2010/main" id="1" dur="indefinite" restart="never" nodeType="tmRoot"/>
-      </p:par>
-    </p:tnLst>
-  </p:timing>
-</p:sld>
-</file>
-
 <file path=ppt/slides/slide2.xml><?xml version="1.0" encoding="utf-8"?>
 <p:sld xmlns:a="http://schemas.openxmlformats.org/drawingml/2006/main" xmlns:r="http://schemas.openxmlformats.org/officeDocument/2006/relationships" xmlns:p="http://schemas.openxmlformats.org/presentationml/2006/main">
   <p:cSld>
@@ -6239,6 +7806,419 @@
 </p:sld>
 </file>
 
+<file path=ppt/slides/slide20.xml><?xml version="1.0" encoding="utf-8"?>
+<p:sld xmlns:a="http://schemas.openxmlformats.org/drawingml/2006/main" xmlns:r="http://schemas.openxmlformats.org/officeDocument/2006/relationships" xmlns:p="http://schemas.openxmlformats.org/presentationml/2006/main">
+  <p:cSld>
+    <p:spTree>
+      <p:nvGrpSpPr>
+        <p:cNvPr id="1" name=""/>
+        <p:cNvGrpSpPr/>
+        <p:nvPr/>
+      </p:nvGrpSpPr>
+      <p:grpSpPr>
+        <a:xfrm>
+          <a:off x="0" y="0"/>
+          <a:ext cx="0" cy="0"/>
+          <a:chOff x="0" y="0"/>
+          <a:chExt cx="0" cy="0"/>
+        </a:xfrm>
+      </p:grpSpPr>
+      <p:sp>
+        <p:nvSpPr>
+          <p:cNvPr id="2" name="Title 1"/>
+          <p:cNvSpPr>
+            <a:spLocks noGrp="1"/>
+          </p:cNvSpPr>
+          <p:nvPr>
+            <p:ph type="title"/>
+          </p:nvPr>
+        </p:nvSpPr>
+        <p:spPr/>
+        <p:txBody>
+          <a:bodyPr/>
+          <a:lstStyle/>
+          <a:p>
+            <a:r>
+              <a:rPr lang="en-US" dirty="0" smtClean="0"/>
+              <a:t>Application Architecture</a:t>
+            </a:r>
+            <a:endParaRPr lang="en-US" dirty="0"/>
+          </a:p>
+        </p:txBody>
+      </p:sp>
+      <p:sp>
+        <p:nvSpPr>
+          <p:cNvPr id="3" name="Content Placeholder 2"/>
+          <p:cNvSpPr>
+            <a:spLocks noGrp="1"/>
+          </p:cNvSpPr>
+          <p:nvPr>
+            <p:ph idx="1"/>
+          </p:nvPr>
+        </p:nvSpPr>
+        <p:spPr/>
+        <p:txBody>
+          <a:bodyPr/>
+          <a:lstStyle/>
+          <a:p>
+            <a:r>
+              <a:rPr lang="en-US" dirty="0" smtClean="0"/>
+              <a:t>Composition/inheritance/aggregation</a:t>
+            </a:r>
+          </a:p>
+          <a:p>
+            <a:pPr lvl="1"/>
+            <a:r>
+              <a:rPr lang="en-US" dirty="0" smtClean="0"/>
+              <a:t>examples of each</a:t>
+            </a:r>
+            <a:r>
+              <a:rPr lang="en-US" dirty="0" smtClean="0"/>
+              <a:t>?</a:t>
+            </a:r>
+          </a:p>
+          <a:p>
+            <a:r>
+              <a:rPr lang="en-US" dirty="0" smtClean="0"/>
+              <a:t>types of </a:t>
+            </a:r>
+            <a:r>
+              <a:rPr lang="en-US" dirty="0" err="1" smtClean="0"/>
+              <a:t>interactors</a:t>
+            </a:r>
+            <a:r>
+              <a:rPr lang="en-US" dirty="0" smtClean="0"/>
+              <a:t> that are available on the web </a:t>
+            </a:r>
+            <a:r>
+              <a:rPr lang="en-US" dirty="0" err="1" smtClean="0"/>
+              <a:t>vs</a:t>
+            </a:r>
+            <a:r>
+              <a:rPr lang="en-US" dirty="0" smtClean="0"/>
+              <a:t> desktop app</a:t>
+            </a:r>
+          </a:p>
+          <a:p>
+            <a:pPr lvl="1"/>
+            <a:r>
+              <a:rPr lang="en-US" dirty="0" smtClean="0"/>
+              <a:t>we have more simpler </a:t>
+            </a:r>
+            <a:r>
+              <a:rPr lang="en-US" dirty="0" err="1" smtClean="0"/>
+              <a:t>interactors</a:t>
+            </a:r>
+            <a:r>
+              <a:rPr lang="en-US" dirty="0" smtClean="0"/>
+              <a:t> on the web – why?</a:t>
+            </a:r>
+          </a:p>
+          <a:p>
+            <a:pPr lvl="1"/>
+            <a:r>
+              <a:rPr lang="en-US" dirty="0" smtClean="0"/>
+              <a:t>indirection of specifying a button on web vs. e.g. Swing</a:t>
+            </a:r>
+          </a:p>
+          <a:p>
+            <a:pPr lvl="1"/>
+            <a:r>
+              <a:rPr lang="en-US" dirty="0" smtClean="0"/>
+              <a:t>lack of inheritance -&gt; difficulty adding some behavior to a button</a:t>
+            </a:r>
+            <a:endParaRPr lang="en-US" dirty="0" smtClean="0"/>
+          </a:p>
+        </p:txBody>
+      </p:sp>
+    </p:spTree>
+    <p:extLst>
+      <p:ext uri="{BB962C8B-B14F-4D97-AF65-F5344CB8AC3E}">
+        <p14:creationId xmlns:p14="http://schemas.microsoft.com/office/powerpoint/2010/main" val="1427560126"/>
+      </p:ext>
+    </p:extLst>
+  </p:cSld>
+  <p:clrMapOvr>
+    <a:masterClrMapping/>
+  </p:clrMapOvr>
+</p:sld>
+</file>
+
+<file path=ppt/slides/slide21.xml><?xml version="1.0" encoding="utf-8"?>
+<p:sld xmlns:a="http://schemas.openxmlformats.org/drawingml/2006/main" xmlns:r="http://schemas.openxmlformats.org/officeDocument/2006/relationships" xmlns:p="http://schemas.openxmlformats.org/presentationml/2006/main">
+  <p:cSld>
+    <p:spTree>
+      <p:nvGrpSpPr>
+        <p:cNvPr id="1" name=""/>
+        <p:cNvGrpSpPr/>
+        <p:nvPr/>
+      </p:nvGrpSpPr>
+      <p:grpSpPr>
+        <a:xfrm>
+          <a:off x="0" y="0"/>
+          <a:ext cx="0" cy="0"/>
+          <a:chOff x="0" y="0"/>
+          <a:chExt cx="0" cy="0"/>
+        </a:xfrm>
+      </p:grpSpPr>
+      <p:sp>
+        <p:nvSpPr>
+          <p:cNvPr id="2" name="Title 1"/>
+          <p:cNvSpPr>
+            <a:spLocks noGrp="1"/>
+          </p:cNvSpPr>
+          <p:nvPr>
+            <p:ph type="title"/>
+          </p:nvPr>
+        </p:nvSpPr>
+        <p:spPr/>
+        <p:txBody>
+          <a:bodyPr/>
+          <a:lstStyle/>
+          <a:p>
+            <a:r>
+              <a:rPr lang="en-US" dirty="0" smtClean="0"/>
+              <a:t>Application Architecture</a:t>
+            </a:r>
+            <a:endParaRPr lang="en-US" dirty="0"/>
+          </a:p>
+        </p:txBody>
+      </p:sp>
+      <p:pic>
+        <p:nvPicPr>
+          <p:cNvPr id="4" name="Content Placeholder 3"/>
+          <p:cNvPicPr>
+            <a:picLocks noGrp="1" noChangeAspect="1"/>
+          </p:cNvPicPr>
+          <p:nvPr>
+            <p:ph idx="1"/>
+          </p:nvPr>
+        </p:nvPicPr>
+        <p:blipFill>
+          <a:blip r:embed="rId2"/>
+          <a:srcRect t="3995" b="3995"/>
+          <a:stretch>
+            <a:fillRect/>
+          </a:stretch>
+        </p:blipFill>
+        <p:spPr/>
+      </p:pic>
+    </p:spTree>
+    <p:extLst>
+      <p:ext uri="{BB962C8B-B14F-4D97-AF65-F5344CB8AC3E}">
+        <p14:creationId xmlns:p14="http://schemas.microsoft.com/office/powerpoint/2010/main" val="1042491278"/>
+      </p:ext>
+    </p:extLst>
+  </p:cSld>
+  <p:clrMapOvr>
+    <a:masterClrMapping/>
+  </p:clrMapOvr>
+</p:sld>
+</file>
+
+<file path=ppt/slides/slide22.xml><?xml version="1.0" encoding="utf-8"?>
+<p:sld xmlns:a="http://schemas.openxmlformats.org/drawingml/2006/main" xmlns:r="http://schemas.openxmlformats.org/officeDocument/2006/relationships" xmlns:p="http://schemas.openxmlformats.org/presentationml/2006/main">
+  <p:cSld>
+    <p:spTree>
+      <p:nvGrpSpPr>
+        <p:cNvPr id="1" name=""/>
+        <p:cNvGrpSpPr/>
+        <p:nvPr/>
+      </p:nvGrpSpPr>
+      <p:grpSpPr>
+        <a:xfrm>
+          <a:off x="0" y="0"/>
+          <a:ext cx="0" cy="0"/>
+          <a:chOff x="0" y="0"/>
+          <a:chExt cx="0" cy="0"/>
+        </a:xfrm>
+      </p:grpSpPr>
+      <p:sp>
+        <p:nvSpPr>
+          <p:cNvPr id="2" name="Title 1"/>
+          <p:cNvSpPr>
+            <a:spLocks noGrp="1"/>
+          </p:cNvSpPr>
+          <p:nvPr>
+            <p:ph type="title"/>
+          </p:nvPr>
+        </p:nvSpPr>
+        <p:spPr/>
+        <p:txBody>
+          <a:bodyPr/>
+          <a:lstStyle/>
+          <a:p>
+            <a:r>
+              <a:rPr lang="en-US" dirty="0" smtClean="0"/>
+              <a:t>Application Architecture</a:t>
+            </a:r>
+            <a:endParaRPr lang="en-US" dirty="0"/>
+          </a:p>
+        </p:txBody>
+      </p:sp>
+      <p:sp>
+        <p:nvSpPr>
+          <p:cNvPr id="3" name="Content Placeholder 2"/>
+          <p:cNvSpPr>
+            <a:spLocks noGrp="1"/>
+          </p:cNvSpPr>
+          <p:nvPr>
+            <p:ph idx="1"/>
+          </p:nvPr>
+        </p:nvSpPr>
+        <p:spPr/>
+        <p:txBody>
+          <a:bodyPr/>
+          <a:lstStyle/>
+          <a:p>
+            <a:r>
+              <a:rPr lang="en-US" dirty="0" smtClean="0"/>
+              <a:t>MVC: HTML model, CSS view, JS controller</a:t>
+            </a:r>
+          </a:p>
+          <a:p>
+            <a:r>
+              <a:rPr lang="en-US" dirty="0" smtClean="0"/>
+              <a:t>What's unique about this for the web?</a:t>
+            </a:r>
+          </a:p>
+        </p:txBody>
+      </p:sp>
+    </p:spTree>
+    <p:extLst>
+      <p:ext uri="{BB962C8B-B14F-4D97-AF65-F5344CB8AC3E}">
+        <p14:creationId xmlns:p14="http://schemas.microsoft.com/office/powerpoint/2010/main" val="4149420739"/>
+      </p:ext>
+    </p:extLst>
+  </p:cSld>
+  <p:clrMapOvr>
+    <a:masterClrMapping/>
+  </p:clrMapOvr>
+</p:sld>
+</file>
+
+<file path=ppt/slides/slide23.xml><?xml version="1.0" encoding="utf-8"?>
+<p:sld xmlns:a="http://schemas.openxmlformats.org/drawingml/2006/main" xmlns:r="http://schemas.openxmlformats.org/officeDocument/2006/relationships" xmlns:p="http://schemas.openxmlformats.org/presentationml/2006/main">
+  <p:cSld>
+    <p:spTree>
+      <p:nvGrpSpPr>
+        <p:cNvPr id="1" name=""/>
+        <p:cNvGrpSpPr/>
+        <p:nvPr/>
+      </p:nvGrpSpPr>
+      <p:grpSpPr>
+        <a:xfrm>
+          <a:off x="0" y="0"/>
+          <a:ext cx="0" cy="0"/>
+          <a:chOff x="0" y="0"/>
+          <a:chExt cx="0" cy="0"/>
+        </a:xfrm>
+      </p:grpSpPr>
+      <p:sp>
+        <p:nvSpPr>
+          <p:cNvPr id="2" name="Title 1"/>
+          <p:cNvSpPr>
+            <a:spLocks noGrp="1"/>
+          </p:cNvSpPr>
+          <p:nvPr>
+            <p:ph type="title"/>
+          </p:nvPr>
+        </p:nvSpPr>
+        <p:spPr/>
+        <p:txBody>
+          <a:bodyPr/>
+          <a:lstStyle/>
+          <a:p>
+            <a:r>
+              <a:rPr lang="en-US" dirty="0" smtClean="0"/>
+              <a:t>Application Architecture</a:t>
+            </a:r>
+            <a:endParaRPr lang="en-US" dirty="0"/>
+          </a:p>
+        </p:txBody>
+      </p:sp>
+      <p:sp>
+        <p:nvSpPr>
+          <p:cNvPr id="3" name="Content Placeholder 2"/>
+          <p:cNvSpPr>
+            <a:spLocks noGrp="1"/>
+          </p:cNvSpPr>
+          <p:nvPr>
+            <p:ph idx="1"/>
+          </p:nvPr>
+        </p:nvSpPr>
+        <p:spPr/>
+        <p:txBody>
+          <a:bodyPr/>
+          <a:lstStyle/>
+          <a:p>
+            <a:r>
+              <a:rPr lang="en-US" dirty="0"/>
+              <a:t>MVC: HTML model, CSS view, JS controller</a:t>
+            </a:r>
+          </a:p>
+          <a:p>
+            <a:r>
+              <a:rPr lang="en-US" dirty="0" smtClean="0"/>
+              <a:t>What's unique about this for the web?</a:t>
+            </a:r>
+          </a:p>
+          <a:p>
+            <a:pPr lvl="1"/>
+            <a:r>
+              <a:rPr lang="en-US" dirty="0" smtClean="0"/>
+              <a:t>some of these output-to-input round trips take an arbitrarily long amount of time (</a:t>
+            </a:r>
+            <a:r>
+              <a:rPr lang="en-US" dirty="0" smtClean="0">
+                <a:sym typeface="Wingdings"/>
+              </a:rPr>
+              <a:t> asynchronous everything, AJAX)</a:t>
+            </a:r>
+            <a:endParaRPr lang="en-US" dirty="0" smtClean="0"/>
+          </a:p>
+          <a:p>
+            <a:pPr lvl="1"/>
+            <a:r>
+              <a:rPr lang="en-US" dirty="0" smtClean="0"/>
+              <a:t>the server, as a component, takes all kinds of input (</a:t>
+            </a:r>
+            <a:r>
+              <a:rPr lang="en-US" dirty="0" smtClean="0">
+                <a:sym typeface="Wingdings"/>
+              </a:rPr>
+              <a:t> routing!)</a:t>
+            </a:r>
+            <a:endParaRPr lang="en-US" dirty="0" smtClean="0"/>
+          </a:p>
+          <a:p>
+            <a:pPr lvl="1"/>
+            <a:r>
+              <a:rPr lang="en-US" dirty="0" smtClean="0"/>
+              <a:t>people are viewing this on all kinds of devices</a:t>
+            </a:r>
+          </a:p>
+          <a:p>
+            <a:pPr marL="349250" lvl="1" indent="0">
+              <a:buNone/>
+            </a:pPr>
+            <a:endParaRPr lang="en-US" dirty="0"/>
+          </a:p>
+        </p:txBody>
+      </p:sp>
+    </p:spTree>
+    <p:extLst>
+      <p:ext uri="{BB962C8B-B14F-4D97-AF65-F5344CB8AC3E}">
+        <p14:creationId xmlns:p14="http://schemas.microsoft.com/office/powerpoint/2010/main" val="1135935283"/>
+      </p:ext>
+    </p:extLst>
+  </p:cSld>
+  <p:clrMapOvr>
+    <a:masterClrMapping/>
+  </p:clrMapOvr>
+</p:sld>
+</file>
+
 <file path=ppt/slides/slide3.xml><?xml version="1.0" encoding="utf-8"?>
 <p:sld xmlns:a="http://schemas.openxmlformats.org/drawingml/2006/main" xmlns:r="http://schemas.openxmlformats.org/officeDocument/2006/relationships" xmlns:p="http://schemas.openxmlformats.org/presentationml/2006/main">
   <p:cSld>
@@ -6312,11 +8292,25 @@
           <a:p>
             <a:r>
               <a:rPr lang="en-US" dirty="0" smtClean="0"/>
-              <a:t>Let's connect them: how does (concept x) come up in web development? Do you have to think about it? </a:t>
-            </a:r>
-            <a:r>
-              <a:rPr lang="en-US" dirty="0" smtClean="0"/>
-              <a:t>How does it work?</a:t>
+              <a:t>Let's connect them: how does (concept x) come up in web development? Do you have to think about it? How does it work?</a:t>
+            </a:r>
+          </a:p>
+          <a:p>
+            <a:r>
+              <a:rPr lang="en-US" dirty="0" smtClean="0"/>
+              <a:t>more info: </a:t>
+            </a:r>
+            <a:r>
+              <a:rPr lang="en-US" dirty="0"/>
+              <a:t>http://</a:t>
+            </a:r>
+            <a:r>
+              <a:rPr lang="en-US" dirty="0" err="1"/>
+              <a:t>taligarsiel.com</a:t>
+            </a:r>
+            <a:r>
+              <a:rPr lang="en-US" dirty="0"/>
+              <a:t>/Projects/howbrowserswork1.htm</a:t>
             </a:r>
             <a:endParaRPr lang="en-US" dirty="0" smtClean="0"/>
           </a:p>
@@ -6460,40 +8454,913 @@
           <a:chExt cx="0" cy="0"/>
         </a:xfrm>
       </p:grpSpPr>
-      <p:pic>
-        <p:nvPicPr>
-          <p:cNvPr id="4" name="Picture 3"/>
-          <p:cNvPicPr>
-            <a:picLocks noChangeAspect="1"/>
-          </p:cNvPicPr>
+      <p:sp>
+        <p:nvSpPr>
+          <p:cNvPr id="18434" name="Rectangle 2"/>
+          <p:cNvSpPr>
+            <a:spLocks noGrp="1" noChangeArrowheads="1"/>
+          </p:cNvSpPr>
+          <p:nvPr>
+            <p:ph type="title"/>
+          </p:nvPr>
+        </p:nvSpPr>
+        <p:spPr/>
+        <p:txBody>
+          <a:bodyPr>
+            <a:normAutofit fontScale="90000"/>
+          </a:bodyPr>
+          <a:lstStyle/>
+          <a:p>
+            <a:pPr eaLnBrk="1" hangingPunct="1"/>
+            <a:r>
+              <a:rPr lang="en-US" dirty="0" smtClean="0">
+                <a:latin typeface="Verdana" pitchFamily="34" charset="0"/>
+                <a:cs typeface="Verdana" pitchFamily="34" charset="0"/>
+              </a:rPr>
+              <a:t>Interactive System Layers</a:t>
+            </a:r>
+          </a:p>
+        </p:txBody>
+      </p:sp>
+      <p:grpSp>
+        <p:nvGrpSpPr>
+          <p:cNvPr id="2" name="Group 3"/>
+          <p:cNvGrpSpPr>
+            <a:grpSpLocks/>
+          </p:cNvGrpSpPr>
           <p:nvPr/>
-        </p:nvPicPr>
-        <p:blipFill>
-          <a:blip r:embed="rId2"/>
-          <a:stretch>
-            <a:fillRect/>
-          </a:stretch>
-        </p:blipFill>
-        <p:spPr>
+        </p:nvGrpSpPr>
+        <p:grpSpPr bwMode="auto">
           <a:xfrm>
-            <a:off x="927100" y="304800"/>
-            <a:ext cx="7277605" cy="6223432"/>
+            <a:off x="838200" y="1676400"/>
+            <a:ext cx="7772400" cy="4419600"/>
+            <a:chOff x="528" y="1056"/>
+            <a:chExt cx="4896" cy="2784"/>
           </a:xfrm>
-          <a:prstGeom prst="rect">
-            <a:avLst/>
+        </p:grpSpPr>
+        <p:sp>
+          <p:nvSpPr>
+            <p:cNvPr id="18438" name="Rectangle 4"/>
+            <p:cNvSpPr>
+              <a:spLocks noChangeArrowheads="1"/>
+            </p:cNvSpPr>
+            <p:nvPr/>
+          </p:nvSpPr>
+          <p:spPr bwMode="auto">
+            <a:xfrm>
+              <a:off x="528" y="3360"/>
+              <a:ext cx="4896" cy="480"/>
+            </a:xfrm>
+            <a:prstGeom prst="rect">
+              <a:avLst/>
+            </a:prstGeom>
+            <a:solidFill>
+              <a:schemeClr val="accent1"/>
+            </a:solidFill>
+            <a:ln w="9525">
+              <a:solidFill>
+                <a:schemeClr val="tx1"/>
+              </a:solidFill>
+              <a:miter lim="800000"/>
+              <a:headEnd/>
+              <a:tailEnd/>
+            </a:ln>
+          </p:spPr>
+          <p:txBody>
+            <a:bodyPr wrap="none" anchor="ctr"/>
+            <a:lstStyle/>
+            <a:p>
+              <a:pPr algn="ctr" eaLnBrk="0" hangingPunct="0"/>
+              <a:r>
+                <a:rPr kumimoji="1" lang="en-US" sz="2400" dirty="0">
+                  <a:solidFill>
+                    <a:schemeClr val="bg2"/>
+                  </a:solidFill>
+                </a:rPr>
+                <a:t>I/O Hardware</a:t>
+              </a:r>
+            </a:p>
+          </p:txBody>
+        </p:sp>
+        <p:sp>
+          <p:nvSpPr>
+            <p:cNvPr id="18439" name="Rectangle 5"/>
+            <p:cNvSpPr>
+              <a:spLocks noChangeArrowheads="1"/>
+            </p:cNvSpPr>
+            <p:nvPr/>
+          </p:nvSpPr>
+          <p:spPr bwMode="auto">
+            <a:xfrm>
+              <a:off x="528" y="2880"/>
+              <a:ext cx="4320" cy="480"/>
+            </a:xfrm>
+            <a:prstGeom prst="rect">
+              <a:avLst/>
+            </a:prstGeom>
+            <a:solidFill>
+              <a:schemeClr val="accent1"/>
+            </a:solidFill>
+            <a:ln w="9525">
+              <a:solidFill>
+                <a:schemeClr val="tx1"/>
+              </a:solidFill>
+              <a:miter lim="800000"/>
+              <a:headEnd/>
+              <a:tailEnd/>
+            </a:ln>
+          </p:spPr>
+          <p:txBody>
+            <a:bodyPr wrap="none" anchor="ctr"/>
+            <a:lstStyle/>
+            <a:p>
+              <a:pPr algn="ctr" eaLnBrk="0" hangingPunct="0"/>
+              <a:r>
+                <a:rPr kumimoji="1" lang="en-US" sz="2400" dirty="0">
+                  <a:solidFill>
+                    <a:schemeClr val="bg2"/>
+                  </a:solidFill>
+                </a:rPr>
+                <a:t>OS</a:t>
+              </a:r>
+            </a:p>
+          </p:txBody>
+        </p:sp>
+        <p:sp>
+          <p:nvSpPr>
+            <p:cNvPr id="18440" name="Freeform 6"/>
+            <p:cNvSpPr>
+              <a:spLocks/>
+            </p:cNvSpPr>
+            <p:nvPr/>
+          </p:nvSpPr>
+          <p:spPr bwMode="auto">
+            <a:xfrm>
+              <a:off x="1256" y="1872"/>
+              <a:ext cx="3448" cy="1008"/>
+            </a:xfrm>
+            <a:custGeom>
+              <a:avLst/>
+              <a:gdLst>
+                <a:gd name="T0" fmla="*/ 0 w 3448"/>
+                <a:gd name="T1" fmla="*/ 1008 h 1008"/>
+                <a:gd name="T2" fmla="*/ 0 w 3448"/>
+                <a:gd name="T3" fmla="*/ 0 h 1008"/>
+                <a:gd name="T4" fmla="*/ 3448 w 3448"/>
+                <a:gd name="T5" fmla="*/ 0 h 1008"/>
+                <a:gd name="T6" fmla="*/ 3448 w 3448"/>
+                <a:gd name="T7" fmla="*/ 480 h 1008"/>
+                <a:gd name="T8" fmla="*/ 408 w 3448"/>
+                <a:gd name="T9" fmla="*/ 480 h 1008"/>
+                <a:gd name="T10" fmla="*/ 408 w 3448"/>
+                <a:gd name="T11" fmla="*/ 1008 h 1008"/>
+                <a:gd name="T12" fmla="*/ 0 w 3448"/>
+                <a:gd name="T13" fmla="*/ 1008 h 1008"/>
+                <a:gd name="T14" fmla="*/ 0 60000 65536"/>
+                <a:gd name="T15" fmla="*/ 0 60000 65536"/>
+                <a:gd name="T16" fmla="*/ 0 60000 65536"/>
+                <a:gd name="T17" fmla="*/ 0 60000 65536"/>
+                <a:gd name="T18" fmla="*/ 0 60000 65536"/>
+                <a:gd name="T19" fmla="*/ 0 60000 65536"/>
+                <a:gd name="T20" fmla="*/ 0 60000 65536"/>
+                <a:gd name="T21" fmla="*/ 0 w 3448"/>
+                <a:gd name="T22" fmla="*/ 0 h 1008"/>
+                <a:gd name="T23" fmla="*/ 3448 w 3448"/>
+                <a:gd name="T24" fmla="*/ 1008 h 1008"/>
+              </a:gdLst>
+              <a:ahLst/>
+              <a:cxnLst>
+                <a:cxn ang="T14">
+                  <a:pos x="T0" y="T1"/>
+                </a:cxn>
+                <a:cxn ang="T15">
+                  <a:pos x="T2" y="T3"/>
+                </a:cxn>
+                <a:cxn ang="T16">
+                  <a:pos x="T4" y="T5"/>
+                </a:cxn>
+                <a:cxn ang="T17">
+                  <a:pos x="T6" y="T7"/>
+                </a:cxn>
+                <a:cxn ang="T18">
+                  <a:pos x="T8" y="T9"/>
+                </a:cxn>
+                <a:cxn ang="T19">
+                  <a:pos x="T10" y="T11"/>
+                </a:cxn>
+                <a:cxn ang="T20">
+                  <a:pos x="T12" y="T13"/>
+                </a:cxn>
+              </a:cxnLst>
+              <a:rect l="T21" t="T22" r="T23" b="T24"/>
+              <a:pathLst>
+                <a:path w="3448" h="1008">
+                  <a:moveTo>
+                    <a:pt x="0" y="1008"/>
+                  </a:moveTo>
+                  <a:lnTo>
+                    <a:pt x="0" y="0"/>
+                  </a:lnTo>
+                  <a:lnTo>
+                    <a:pt x="3448" y="0"/>
+                  </a:lnTo>
+                  <a:lnTo>
+                    <a:pt x="3448" y="480"/>
+                  </a:lnTo>
+                  <a:lnTo>
+                    <a:pt x="408" y="480"/>
+                  </a:lnTo>
+                  <a:lnTo>
+                    <a:pt x="408" y="1008"/>
+                  </a:lnTo>
+                  <a:lnTo>
+                    <a:pt x="0" y="1008"/>
+                  </a:lnTo>
+                  <a:close/>
+                </a:path>
+              </a:pathLst>
+            </a:custGeom>
+            <a:solidFill>
+              <a:srgbClr val="99CCFF"/>
+            </a:solidFill>
+            <a:ln w="9525">
+              <a:solidFill>
+                <a:schemeClr val="tx1"/>
+              </a:solidFill>
+              <a:round/>
+              <a:headEnd/>
+              <a:tailEnd/>
+            </a:ln>
+          </p:spPr>
+          <p:txBody>
+            <a:bodyPr/>
+            <a:lstStyle/>
+            <a:p>
+              <a:endParaRPr lang="en-US" dirty="0">
+                <a:solidFill>
+                  <a:schemeClr val="bg2"/>
+                </a:solidFill>
+              </a:endParaRPr>
+            </a:p>
+          </p:txBody>
+        </p:sp>
+        <p:sp>
+          <p:nvSpPr>
+            <p:cNvPr id="18441" name="Text Box 7"/>
+            <p:cNvSpPr txBox="1">
+              <a:spLocks noChangeArrowheads="1"/>
+            </p:cNvSpPr>
+            <p:nvPr/>
+          </p:nvSpPr>
+          <p:spPr bwMode="auto">
+            <a:xfrm>
+              <a:off x="2064" y="1967"/>
+              <a:ext cx="1493" cy="288"/>
+            </a:xfrm>
+            <a:prstGeom prst="rect">
+              <a:avLst/>
+            </a:prstGeom>
+            <a:noFill/>
+            <a:ln w="9525">
+              <a:noFill/>
+              <a:miter lim="800000"/>
+              <a:headEnd/>
+              <a:tailEnd/>
+            </a:ln>
+          </p:spPr>
+          <p:txBody>
+            <a:bodyPr wrap="none">
+              <a:spAutoFit/>
+            </a:bodyPr>
+            <a:lstStyle/>
+            <a:p>
+              <a:pPr eaLnBrk="0" hangingPunct="0"/>
+              <a:r>
+                <a:rPr kumimoji="1" lang="en-US" sz="2400" dirty="0">
+                  <a:solidFill>
+                    <a:schemeClr val="bg2"/>
+                  </a:solidFill>
+                </a:rPr>
+                <a:t>Window System</a:t>
+              </a:r>
+            </a:p>
+          </p:txBody>
+        </p:sp>
+        <p:sp>
+          <p:nvSpPr>
+            <p:cNvPr id="18442" name="Freeform 8"/>
+            <p:cNvSpPr>
+              <a:spLocks/>
+            </p:cNvSpPr>
+            <p:nvPr/>
+          </p:nvSpPr>
+          <p:spPr bwMode="auto">
+            <a:xfrm>
+              <a:off x="896" y="1544"/>
+              <a:ext cx="4064" cy="1336"/>
+            </a:xfrm>
+            <a:custGeom>
+              <a:avLst/>
+              <a:gdLst>
+                <a:gd name="T0" fmla="*/ 0 w 4064"/>
+                <a:gd name="T1" fmla="*/ 1336 h 1336"/>
+                <a:gd name="T2" fmla="*/ 0 w 4064"/>
+                <a:gd name="T3" fmla="*/ 0 h 1336"/>
+                <a:gd name="T4" fmla="*/ 4056 w 4064"/>
+                <a:gd name="T5" fmla="*/ 0 h 1336"/>
+                <a:gd name="T6" fmla="*/ 4064 w 4064"/>
+                <a:gd name="T7" fmla="*/ 816 h 1336"/>
+                <a:gd name="T8" fmla="*/ 3800 w 4064"/>
+                <a:gd name="T9" fmla="*/ 816 h 1336"/>
+                <a:gd name="T10" fmla="*/ 3800 w 4064"/>
+                <a:gd name="T11" fmla="*/ 328 h 1336"/>
+                <a:gd name="T12" fmla="*/ 368 w 4064"/>
+                <a:gd name="T13" fmla="*/ 328 h 1336"/>
+                <a:gd name="T14" fmla="*/ 368 w 4064"/>
+                <a:gd name="T15" fmla="*/ 1336 h 1336"/>
+                <a:gd name="T16" fmla="*/ 0 w 4064"/>
+                <a:gd name="T17" fmla="*/ 1336 h 1336"/>
+                <a:gd name="T18" fmla="*/ 0 60000 65536"/>
+                <a:gd name="T19" fmla="*/ 0 60000 65536"/>
+                <a:gd name="T20" fmla="*/ 0 60000 65536"/>
+                <a:gd name="T21" fmla="*/ 0 60000 65536"/>
+                <a:gd name="T22" fmla="*/ 0 60000 65536"/>
+                <a:gd name="T23" fmla="*/ 0 60000 65536"/>
+                <a:gd name="T24" fmla="*/ 0 60000 65536"/>
+                <a:gd name="T25" fmla="*/ 0 60000 65536"/>
+                <a:gd name="T26" fmla="*/ 0 60000 65536"/>
+                <a:gd name="T27" fmla="*/ 0 w 4064"/>
+                <a:gd name="T28" fmla="*/ 0 h 1336"/>
+                <a:gd name="T29" fmla="*/ 4064 w 4064"/>
+                <a:gd name="T30" fmla="*/ 1336 h 1336"/>
+              </a:gdLst>
+              <a:ahLst/>
+              <a:cxnLst>
+                <a:cxn ang="T18">
+                  <a:pos x="T0" y="T1"/>
+                </a:cxn>
+                <a:cxn ang="T19">
+                  <a:pos x="T2" y="T3"/>
+                </a:cxn>
+                <a:cxn ang="T20">
+                  <a:pos x="T4" y="T5"/>
+                </a:cxn>
+                <a:cxn ang="T21">
+                  <a:pos x="T6" y="T7"/>
+                </a:cxn>
+                <a:cxn ang="T22">
+                  <a:pos x="T8" y="T9"/>
+                </a:cxn>
+                <a:cxn ang="T23">
+                  <a:pos x="T10" y="T11"/>
+                </a:cxn>
+                <a:cxn ang="T24">
+                  <a:pos x="T12" y="T13"/>
+                </a:cxn>
+                <a:cxn ang="T25">
+                  <a:pos x="T14" y="T15"/>
+                </a:cxn>
+                <a:cxn ang="T26">
+                  <a:pos x="T16" y="T17"/>
+                </a:cxn>
+              </a:cxnLst>
+              <a:rect l="T27" t="T28" r="T29" b="T30"/>
+              <a:pathLst>
+                <a:path w="4064" h="1336">
+                  <a:moveTo>
+                    <a:pt x="0" y="1336"/>
+                  </a:moveTo>
+                  <a:lnTo>
+                    <a:pt x="0" y="0"/>
+                  </a:lnTo>
+                  <a:lnTo>
+                    <a:pt x="4056" y="0"/>
+                  </a:lnTo>
+                  <a:lnTo>
+                    <a:pt x="4064" y="816"/>
+                  </a:lnTo>
+                  <a:lnTo>
+                    <a:pt x="3800" y="816"/>
+                  </a:lnTo>
+                  <a:lnTo>
+                    <a:pt x="3800" y="328"/>
+                  </a:lnTo>
+                  <a:lnTo>
+                    <a:pt x="368" y="328"/>
+                  </a:lnTo>
+                  <a:lnTo>
+                    <a:pt x="368" y="1336"/>
+                  </a:lnTo>
+                  <a:lnTo>
+                    <a:pt x="0" y="1336"/>
+                  </a:lnTo>
+                  <a:close/>
+                </a:path>
+              </a:pathLst>
+            </a:custGeom>
+            <a:solidFill>
+              <a:srgbClr val="99CCFF"/>
+            </a:solidFill>
+            <a:ln w="9525">
+              <a:solidFill>
+                <a:schemeClr val="tx1"/>
+              </a:solidFill>
+              <a:round/>
+              <a:headEnd/>
+              <a:tailEnd/>
+            </a:ln>
+          </p:spPr>
+          <p:txBody>
+            <a:bodyPr/>
+            <a:lstStyle/>
+            <a:p>
+              <a:endParaRPr lang="en-US" dirty="0">
+                <a:solidFill>
+                  <a:schemeClr val="bg2"/>
+                </a:solidFill>
+              </a:endParaRPr>
+            </a:p>
+          </p:txBody>
+        </p:sp>
+        <p:sp>
+          <p:nvSpPr>
+            <p:cNvPr id="18443" name="Text Box 9"/>
+            <p:cNvSpPr txBox="1">
+              <a:spLocks noChangeArrowheads="1"/>
+            </p:cNvSpPr>
+            <p:nvPr/>
+          </p:nvSpPr>
+          <p:spPr bwMode="auto">
+            <a:xfrm>
+              <a:off x="2438" y="1513"/>
+              <a:ext cx="701" cy="291"/>
+            </a:xfrm>
+            <a:prstGeom prst="rect">
+              <a:avLst/>
+            </a:prstGeom>
+            <a:noFill/>
+            <a:ln w="9525">
+              <a:noFill/>
+              <a:miter lim="800000"/>
+              <a:headEnd/>
+              <a:tailEnd/>
+            </a:ln>
+          </p:spPr>
+          <p:txBody>
+            <a:bodyPr wrap="none">
+              <a:spAutoFit/>
+            </a:bodyPr>
+            <a:lstStyle/>
+            <a:p>
+              <a:pPr eaLnBrk="0" hangingPunct="0"/>
+              <a:r>
+                <a:rPr kumimoji="1" lang="en-US" sz="2400" dirty="0">
+                  <a:solidFill>
+                    <a:schemeClr val="bg2"/>
+                  </a:solidFill>
+                </a:rPr>
+                <a:t>Toolkit</a:t>
+              </a:r>
+            </a:p>
+          </p:txBody>
+        </p:sp>
+        <p:sp>
+          <p:nvSpPr>
+            <p:cNvPr id="18444" name="Freeform 10"/>
+            <p:cNvSpPr>
+              <a:spLocks/>
+            </p:cNvSpPr>
+            <p:nvPr/>
+          </p:nvSpPr>
+          <p:spPr bwMode="auto">
+            <a:xfrm>
+              <a:off x="528" y="1056"/>
+              <a:ext cx="4896" cy="2784"/>
+            </a:xfrm>
+            <a:custGeom>
+              <a:avLst/>
+              <a:gdLst>
+                <a:gd name="T0" fmla="*/ 0 w 4896"/>
+                <a:gd name="T1" fmla="*/ 1824 h 2784"/>
+                <a:gd name="T2" fmla="*/ 0 w 4896"/>
+                <a:gd name="T3" fmla="*/ 0 h 2784"/>
+                <a:gd name="T4" fmla="*/ 4896 w 4896"/>
+                <a:gd name="T5" fmla="*/ 0 h 2784"/>
+                <a:gd name="T6" fmla="*/ 4896 w 4896"/>
+                <a:gd name="T7" fmla="*/ 2784 h 2784"/>
+                <a:gd name="T8" fmla="*/ 4896 w 4896"/>
+                <a:gd name="T9" fmla="*/ 1296 h 2784"/>
+                <a:gd name="T10" fmla="*/ 4424 w 4896"/>
+                <a:gd name="T11" fmla="*/ 1304 h 2784"/>
+                <a:gd name="T12" fmla="*/ 4424 w 4896"/>
+                <a:gd name="T13" fmla="*/ 488 h 2784"/>
+                <a:gd name="T14" fmla="*/ 376 w 4896"/>
+                <a:gd name="T15" fmla="*/ 488 h 2784"/>
+                <a:gd name="T16" fmla="*/ 376 w 4896"/>
+                <a:gd name="T17" fmla="*/ 1824 h 2784"/>
+                <a:gd name="T18" fmla="*/ 0 w 4896"/>
+                <a:gd name="T19" fmla="*/ 1824 h 2784"/>
+                <a:gd name="T20" fmla="*/ 0 60000 65536"/>
+                <a:gd name="T21" fmla="*/ 0 60000 65536"/>
+                <a:gd name="T22" fmla="*/ 0 60000 65536"/>
+                <a:gd name="T23" fmla="*/ 0 60000 65536"/>
+                <a:gd name="T24" fmla="*/ 0 60000 65536"/>
+                <a:gd name="T25" fmla="*/ 0 60000 65536"/>
+                <a:gd name="T26" fmla="*/ 0 60000 65536"/>
+                <a:gd name="T27" fmla="*/ 0 60000 65536"/>
+                <a:gd name="T28" fmla="*/ 0 60000 65536"/>
+                <a:gd name="T29" fmla="*/ 0 60000 65536"/>
+                <a:gd name="T30" fmla="*/ 0 w 4896"/>
+                <a:gd name="T31" fmla="*/ 0 h 2784"/>
+                <a:gd name="T32" fmla="*/ 4896 w 4896"/>
+                <a:gd name="T33" fmla="*/ 2784 h 2784"/>
+              </a:gdLst>
+              <a:ahLst/>
+              <a:cxnLst>
+                <a:cxn ang="T20">
+                  <a:pos x="T0" y="T1"/>
+                </a:cxn>
+                <a:cxn ang="T21">
+                  <a:pos x="T2" y="T3"/>
+                </a:cxn>
+                <a:cxn ang="T22">
+                  <a:pos x="T4" y="T5"/>
+                </a:cxn>
+                <a:cxn ang="T23">
+                  <a:pos x="T6" y="T7"/>
+                </a:cxn>
+                <a:cxn ang="T24">
+                  <a:pos x="T8" y="T9"/>
+                </a:cxn>
+                <a:cxn ang="T25">
+                  <a:pos x="T10" y="T11"/>
+                </a:cxn>
+                <a:cxn ang="T26">
+                  <a:pos x="T12" y="T13"/>
+                </a:cxn>
+                <a:cxn ang="T27">
+                  <a:pos x="T14" y="T15"/>
+                </a:cxn>
+                <a:cxn ang="T28">
+                  <a:pos x="T16" y="T17"/>
+                </a:cxn>
+                <a:cxn ang="T29">
+                  <a:pos x="T18" y="T19"/>
+                </a:cxn>
+              </a:cxnLst>
+              <a:rect l="T30" t="T31" r="T32" b="T33"/>
+              <a:pathLst>
+                <a:path w="4896" h="2784">
+                  <a:moveTo>
+                    <a:pt x="0" y="1824"/>
+                  </a:moveTo>
+                  <a:lnTo>
+                    <a:pt x="0" y="0"/>
+                  </a:lnTo>
+                  <a:lnTo>
+                    <a:pt x="4896" y="0"/>
+                  </a:lnTo>
+                  <a:lnTo>
+                    <a:pt x="4896" y="2784"/>
+                  </a:lnTo>
+                  <a:lnTo>
+                    <a:pt x="4896" y="1296"/>
+                  </a:lnTo>
+                  <a:lnTo>
+                    <a:pt x="4424" y="1304"/>
+                  </a:lnTo>
+                  <a:lnTo>
+                    <a:pt x="4424" y="488"/>
+                  </a:lnTo>
+                  <a:lnTo>
+                    <a:pt x="376" y="488"/>
+                  </a:lnTo>
+                  <a:lnTo>
+                    <a:pt x="376" y="1824"/>
+                  </a:lnTo>
+                  <a:lnTo>
+                    <a:pt x="0" y="1824"/>
+                  </a:lnTo>
+                  <a:close/>
+                </a:path>
+              </a:pathLst>
+            </a:custGeom>
+            <a:solidFill>
+              <a:schemeClr val="accent1"/>
+            </a:solidFill>
+            <a:ln w="9525">
+              <a:solidFill>
+                <a:schemeClr val="tx1"/>
+              </a:solidFill>
+              <a:round/>
+              <a:headEnd/>
+              <a:tailEnd/>
+            </a:ln>
+          </p:spPr>
+          <p:txBody>
+            <a:bodyPr/>
+            <a:lstStyle/>
+            <a:p>
+              <a:endParaRPr lang="en-US" dirty="0">
+                <a:solidFill>
+                  <a:schemeClr val="bg2"/>
+                </a:solidFill>
+              </a:endParaRPr>
+            </a:p>
+          </p:txBody>
+        </p:sp>
+        <p:sp>
+          <p:nvSpPr>
+            <p:cNvPr id="18445" name="Text Box 11"/>
+            <p:cNvSpPr txBox="1">
+              <a:spLocks noChangeArrowheads="1"/>
+            </p:cNvSpPr>
+            <p:nvPr/>
+          </p:nvSpPr>
+          <p:spPr bwMode="auto">
+            <a:xfrm>
+              <a:off x="1872" y="1151"/>
+              <a:ext cx="1996" cy="288"/>
+            </a:xfrm>
+            <a:prstGeom prst="rect">
+              <a:avLst/>
+            </a:prstGeom>
+            <a:noFill/>
+            <a:ln w="9525">
+              <a:noFill/>
+              <a:miter lim="800000"/>
+              <a:headEnd/>
+              <a:tailEnd/>
+            </a:ln>
+          </p:spPr>
+          <p:txBody>
+            <a:bodyPr wrap="none">
+              <a:spAutoFit/>
+            </a:bodyPr>
+            <a:lstStyle/>
+            <a:p>
+              <a:pPr eaLnBrk="0" hangingPunct="0"/>
+              <a:r>
+                <a:rPr kumimoji="1" lang="en-US" sz="2400" dirty="0">
+                  <a:solidFill>
+                    <a:schemeClr val="bg2"/>
+                  </a:solidFill>
+                </a:rPr>
+                <a:t>Interactive Application</a:t>
+              </a:r>
+            </a:p>
+          </p:txBody>
+        </p:sp>
+        <p:grpSp>
+          <p:nvGrpSpPr>
+            <p:cNvPr id="3" name="Group 12"/>
+            <p:cNvGrpSpPr>
+              <a:grpSpLocks/>
+            </p:cNvGrpSpPr>
+            <p:nvPr/>
+          </p:nvGrpSpPr>
+          <p:grpSpPr bwMode="auto">
+            <a:xfrm>
+              <a:off x="1656" y="2352"/>
+              <a:ext cx="3768" cy="1011"/>
+              <a:chOff x="1656" y="2352"/>
+              <a:chExt cx="3768" cy="1011"/>
+            </a:xfrm>
+          </p:grpSpPr>
+          <p:sp>
+            <p:nvSpPr>
+              <p:cNvPr id="18447" name="Freeform 13"/>
+              <p:cNvSpPr>
+                <a:spLocks/>
+              </p:cNvSpPr>
+              <p:nvPr/>
+            </p:nvSpPr>
+            <p:spPr bwMode="auto">
+              <a:xfrm>
+                <a:off x="1656" y="2352"/>
+                <a:ext cx="3768" cy="1011"/>
+              </a:xfrm>
+              <a:custGeom>
+                <a:avLst/>
+                <a:gdLst>
+                  <a:gd name="T0" fmla="*/ 0 w 3768"/>
+                  <a:gd name="T1" fmla="*/ 528 h 1011"/>
+                  <a:gd name="T2" fmla="*/ 0 w 3768"/>
+                  <a:gd name="T3" fmla="*/ 0 h 1011"/>
+                  <a:gd name="T4" fmla="*/ 3768 w 3768"/>
+                  <a:gd name="T5" fmla="*/ 0 h 1011"/>
+                  <a:gd name="T6" fmla="*/ 3768 w 3768"/>
+                  <a:gd name="T7" fmla="*/ 1008 h 1011"/>
+                  <a:gd name="T8" fmla="*/ 3302 w 3768"/>
+                  <a:gd name="T9" fmla="*/ 1008 h 1011"/>
+                  <a:gd name="T10" fmla="*/ 3195 w 3768"/>
+                  <a:gd name="T11" fmla="*/ 1011 h 1011"/>
+                  <a:gd name="T12" fmla="*/ 3195 w 3768"/>
+                  <a:gd name="T13" fmla="*/ 528 h 1011"/>
+                  <a:gd name="T14" fmla="*/ 0 w 3768"/>
+                  <a:gd name="T15" fmla="*/ 528 h 1011"/>
+                  <a:gd name="T16" fmla="*/ 0 60000 65536"/>
+                  <a:gd name="T17" fmla="*/ 0 60000 65536"/>
+                  <a:gd name="T18" fmla="*/ 0 60000 65536"/>
+                  <a:gd name="T19" fmla="*/ 0 60000 65536"/>
+                  <a:gd name="T20" fmla="*/ 0 60000 65536"/>
+                  <a:gd name="T21" fmla="*/ 0 60000 65536"/>
+                  <a:gd name="T22" fmla="*/ 0 60000 65536"/>
+                  <a:gd name="T23" fmla="*/ 0 60000 65536"/>
+                  <a:gd name="T24" fmla="*/ 0 w 3768"/>
+                  <a:gd name="T25" fmla="*/ 0 h 1011"/>
+                  <a:gd name="T26" fmla="*/ 3768 w 3768"/>
+                  <a:gd name="T27" fmla="*/ 1011 h 1011"/>
+                </a:gdLst>
+                <a:ahLst/>
+                <a:cxnLst>
+                  <a:cxn ang="T16">
+                    <a:pos x="T0" y="T1"/>
+                  </a:cxn>
+                  <a:cxn ang="T17">
+                    <a:pos x="T2" y="T3"/>
+                  </a:cxn>
+                  <a:cxn ang="T18">
+                    <a:pos x="T4" y="T5"/>
+                  </a:cxn>
+                  <a:cxn ang="T19">
+                    <a:pos x="T6" y="T7"/>
+                  </a:cxn>
+                  <a:cxn ang="T20">
+                    <a:pos x="T8" y="T9"/>
+                  </a:cxn>
+                  <a:cxn ang="T21">
+                    <a:pos x="T10" y="T11"/>
+                  </a:cxn>
+                  <a:cxn ang="T22">
+                    <a:pos x="T12" y="T13"/>
+                  </a:cxn>
+                  <a:cxn ang="T23">
+                    <a:pos x="T14" y="T15"/>
+                  </a:cxn>
+                </a:cxnLst>
+                <a:rect l="T24" t="T25" r="T26" b="T27"/>
+                <a:pathLst>
+                  <a:path w="3768" h="1011">
+                    <a:moveTo>
+                      <a:pt x="0" y="528"/>
+                    </a:moveTo>
+                    <a:lnTo>
+                      <a:pt x="0" y="0"/>
+                    </a:lnTo>
+                    <a:lnTo>
+                      <a:pt x="3768" y="0"/>
+                    </a:lnTo>
+                    <a:lnTo>
+                      <a:pt x="3768" y="1008"/>
+                    </a:lnTo>
+                    <a:lnTo>
+                      <a:pt x="3302" y="1008"/>
+                    </a:lnTo>
+                    <a:lnTo>
+                      <a:pt x="3195" y="1011"/>
+                    </a:lnTo>
+                    <a:lnTo>
+                      <a:pt x="3195" y="528"/>
+                    </a:lnTo>
+                    <a:lnTo>
+                      <a:pt x="0" y="528"/>
+                    </a:lnTo>
+                    <a:close/>
+                  </a:path>
+                </a:pathLst>
+              </a:custGeom>
+              <a:solidFill>
+                <a:srgbClr val="DDDDDD"/>
+              </a:solidFill>
+              <a:ln w="9525">
+                <a:solidFill>
+                  <a:schemeClr val="tx1"/>
+                </a:solidFill>
+                <a:round/>
+                <a:headEnd/>
+                <a:tailEnd/>
+              </a:ln>
+            </p:spPr>
+            <p:txBody>
+              <a:bodyPr/>
+              <a:lstStyle/>
+              <a:p>
+                <a:endParaRPr lang="en-US" dirty="0">
+                  <a:solidFill>
+                    <a:schemeClr val="bg2"/>
+                  </a:solidFill>
+                </a:endParaRPr>
+              </a:p>
+            </p:txBody>
+          </p:sp>
+          <p:sp>
+            <p:nvSpPr>
+              <p:cNvPr id="18448" name="Text Box 14"/>
+              <p:cNvSpPr txBox="1">
+                <a:spLocks noChangeArrowheads="1"/>
+              </p:cNvSpPr>
+              <p:nvPr/>
+            </p:nvSpPr>
+            <p:spPr bwMode="auto">
+              <a:xfrm>
+                <a:off x="1824" y="2473"/>
+                <a:ext cx="2006" cy="288"/>
+              </a:xfrm>
+              <a:prstGeom prst="rect">
+                <a:avLst/>
+              </a:prstGeom>
+              <a:noFill/>
+              <a:ln w="9525">
+                <a:noFill/>
+                <a:miter lim="800000"/>
+                <a:headEnd/>
+                <a:tailEnd/>
+              </a:ln>
+            </p:spPr>
+            <p:txBody>
+              <a:bodyPr wrap="none">
+                <a:spAutoFit/>
+              </a:bodyPr>
+              <a:lstStyle/>
+              <a:p>
+                <a:pPr eaLnBrk="0" hangingPunct="0"/>
+                <a:r>
+                  <a:rPr kumimoji="1" lang="en-US" sz="2400" dirty="0">
+                    <a:solidFill>
+                      <a:schemeClr val="bg2"/>
+                    </a:solidFill>
+                  </a:rPr>
+                  <a:t>Basic Drawing &amp; Input</a:t>
+                </a:r>
+              </a:p>
+            </p:txBody>
+          </p:sp>
+        </p:grpSp>
+      </p:grpSp>
+      <p:sp>
+        <p:nvSpPr>
+          <p:cNvPr id="18436" name="AutoShape 16"/>
+          <p:cNvSpPr>
+            <a:spLocks noChangeArrowheads="1"/>
+          </p:cNvSpPr>
+          <p:nvPr/>
+        </p:nvSpPr>
+        <p:spPr bwMode="auto">
+          <a:xfrm rot="2157059">
+            <a:off x="304800" y="1828800"/>
+            <a:ext cx="2362200" cy="990600"/>
+          </a:xfrm>
+          <a:prstGeom prst="rightArrow">
+            <a:avLst>
+              <a:gd name="adj1" fmla="val 50000"/>
+              <a:gd name="adj2" fmla="val 59615"/>
+            </a:avLst>
           </a:prstGeom>
+          <a:solidFill>
+            <a:srgbClr val="CCFFCC"/>
+          </a:solidFill>
+          <a:ln w="9525">
+            <a:solidFill>
+              <a:schemeClr val="tx1"/>
+            </a:solidFill>
+            <a:miter lim="800000"/>
+            <a:headEnd/>
+            <a:tailEnd/>
+          </a:ln>
         </p:spPr>
-      </p:pic>
+        <p:txBody>
+          <a:bodyPr wrap="none" anchor="ctr"/>
+          <a:lstStyle/>
+          <a:p>
+            <a:pPr algn="ctr" eaLnBrk="0" hangingPunct="0"/>
+            <a:endParaRPr kumimoji="1" lang="en-US" sz="2400" dirty="0">
+              <a:solidFill>
+                <a:schemeClr val="bg2"/>
+              </a:solidFill>
+              <a:latin typeface="Times New Roman" pitchFamily="18" charset="0"/>
+            </a:endParaRPr>
+          </a:p>
+        </p:txBody>
+      </p:sp>
     </p:spTree>
     <p:extLst>
       <p:ext uri="{BB962C8B-B14F-4D97-AF65-F5344CB8AC3E}">
-        <p14:creationId xmlns:p14="http://schemas.microsoft.com/office/powerpoint/2010/main" val="1702689446"/>
+        <p14:creationId xmlns:p14="http://schemas.microsoft.com/office/powerpoint/2010/main" val="3473033290"/>
       </p:ext>
     </p:extLst>
   </p:cSld>
   <p:clrMapOvr>
     <a:masterClrMapping/>
   </p:clrMapOvr>
+  <mc:AlternateContent xmlns:mc="http://schemas.openxmlformats.org/markup-compatibility/2006" xmlns:p14="http://schemas.microsoft.com/office/powerpoint/2010/main">
+    <mc:Choice Requires="p14">
+      <p:transition spd="slow" p14:dur="2000"/>
+    </mc:Choice>
+    <mc:Fallback xmlns="">
+      <p:transition xmlns:p14="http://schemas.microsoft.com/office/powerpoint/2010/main" spd="slow"/>
+    </mc:Fallback>
+  </mc:AlternateContent>
   <p:timing>
     <p:tnLst>
       <p:par>
@@ -6570,7 +9437,14 @@
             <a:pPr lvl="1"/>
             <a:r>
               <a:rPr lang="en-US" dirty="0" smtClean="0"/>
-              <a:t>(basically, you don't have to worry about it; everything is within one browser window)</a:t>
+              <a:t>(basically, you don't have to worry about it; everything is within browser tabs, handled by the OS)</a:t>
+            </a:r>
+          </a:p>
+          <a:p>
+            <a:pPr lvl="1"/>
+            <a:r>
+              <a:rPr lang="en-US" dirty="0" smtClean="0"/>
+              <a:t>Browser?</a:t>
             </a:r>
           </a:p>
           <a:p>
@@ -6583,40 +9457,46 @@
             <a:pPr lvl="1"/>
             <a:r>
               <a:rPr lang="en-US" dirty="0" smtClean="0"/>
-              <a:t>HTML and other widgets: buttons, checkboxes, text areas, </a:t>
-            </a:r>
+              <a:t>HTML?</a:t>
+            </a:r>
+          </a:p>
+          <a:p>
+            <a:pPr lvl="1"/>
+            <a:r>
+              <a:rPr lang="en-US" dirty="0" smtClean="0"/>
+              <a:t>CSS?</a:t>
+            </a:r>
+          </a:p>
+          <a:p>
+            <a:pPr lvl="1"/>
             <a:r>
               <a:rPr lang="en-US" dirty="0" err="1" smtClean="0"/>
-              <a:t>etc</a:t>
-            </a:r>
+              <a:t>Javascript</a:t>
+            </a:r>
+            <a:r>
+              <a:rPr lang="en-US" dirty="0" smtClean="0"/>
+              <a:t>?</a:t>
+            </a:r>
+          </a:p>
+          <a:p>
+            <a:pPr lvl="1"/>
+            <a:r>
+              <a:rPr lang="en-US" dirty="0" smtClean="0"/>
+              <a:t>HTML Canvas?</a:t>
+            </a:r>
+          </a:p>
+          <a:p>
+            <a:r>
+              <a:rPr lang="en-US" dirty="0" smtClean="0"/>
+              <a:t>Let’s answer this by exploring where different things happen</a:t>
+            </a:r>
+          </a:p>
+          <a:p>
+            <a:pPr lvl="1"/>
             <a:endParaRPr lang="en-US" dirty="0"/>
           </a:p>
         </p:txBody>
       </p:sp>
-      <p:pic>
-        <p:nvPicPr>
-          <p:cNvPr id="4" name="Picture 3"/>
-          <p:cNvPicPr>
-            <a:picLocks noChangeAspect="1"/>
-          </p:cNvPicPr>
-          <p:nvPr/>
-        </p:nvPicPr>
-        <p:blipFill>
-          <a:blip r:embed="rId2"/>
-          <a:stretch>
-            <a:fillRect/>
-          </a:stretch>
-        </p:blipFill>
-        <p:spPr>
-          <a:xfrm>
-            <a:off x="2855453" y="4020479"/>
-            <a:ext cx="2804185" cy="2397994"/>
-          </a:xfrm>
-          <a:prstGeom prst="rect">
-            <a:avLst/>
-          </a:prstGeom>
-        </p:spPr>
-      </p:pic>
     </p:spTree>
     <p:extLst>
       <p:ext uri="{BB962C8B-B14F-4D97-AF65-F5344CB8AC3E}">
@@ -6727,33 +9607,15 @@
                                   </p:childTnLst>
                                 </p:cTn>
                               </p:par>
-                            </p:childTnLst>
-                          </p:cTn>
-                        </p:par>
-                      </p:childTnLst>
-                    </p:cTn>
-                  </p:par>
-                  <p:par>
-                    <p:cTn id="11" fill="hold">
-                      <p:stCondLst>
-                        <p:cond delay="indefinite"/>
-                      </p:stCondLst>
-                      <p:childTnLst>
-                        <p:par>
-                          <p:cTn id="12" fill="hold">
-                            <p:stCondLst>
-                              <p:cond delay="0"/>
-                            </p:stCondLst>
-                            <p:childTnLst>
                               <p:par>
-                                <p:cTn id="13" presetID="1" presetClass="entr" presetSubtype="0" fill="hold" grpId="0" nodeType="clickEffect">
+                                <p:cTn id="11" presetID="1" presetClass="entr" presetSubtype="0" fill="hold" grpId="0" nodeType="withEffect">
                                   <p:stCondLst>
                                     <p:cond delay="0"/>
                                   </p:stCondLst>
                                   <p:childTnLst>
                                     <p:set>
                                       <p:cBhvr>
-                                        <p:cTn id="14" dur="1" fill="hold">
+                                        <p:cTn id="12" dur="1" fill="hold">
                                           <p:stCondLst>
                                             <p:cond delay="0"/>
                                           </p:stCondLst>
@@ -6783,26 +9645,26 @@
                     </p:cTn>
                   </p:par>
                   <p:par>
-                    <p:cTn id="15" fill="hold">
+                    <p:cTn id="13" fill="hold">
                       <p:stCondLst>
                         <p:cond delay="indefinite"/>
                       </p:stCondLst>
                       <p:childTnLst>
                         <p:par>
-                          <p:cTn id="16" fill="hold">
+                          <p:cTn id="14" fill="hold">
                             <p:stCondLst>
                               <p:cond delay="0"/>
                             </p:stCondLst>
                             <p:childTnLst>
                               <p:par>
-                                <p:cTn id="17" presetID="1" presetClass="entr" presetSubtype="0" fill="hold" grpId="0" nodeType="clickEffect">
+                                <p:cTn id="15" presetID="1" presetClass="entr" presetSubtype="0" fill="hold" grpId="0" nodeType="clickEffect">
                                   <p:stCondLst>
                                     <p:cond delay="0"/>
                                   </p:stCondLst>
                                   <p:childTnLst>
                                     <p:set>
                                       <p:cBhvr>
-                                        <p:cTn id="18" dur="1" fill="hold">
+                                        <p:cTn id="16" dur="1" fill="hold">
                                           <p:stCondLst>
                                             <p:cond delay="0"/>
                                           </p:stCondLst>
@@ -6811,6 +9673,215 @@
                                           <p:spTgt spid="3">
                                             <p:txEl>
                                               <p:pRg st="3" end="3"/>
+                                            </p:txEl>
+                                          </p:spTgt>
+                                        </p:tgtEl>
+                                        <p:attrNameLst>
+                                          <p:attrName>style.visibility</p:attrName>
+                                        </p:attrNameLst>
+                                      </p:cBhvr>
+                                      <p:to>
+                                        <p:strVal val="visible"/>
+                                      </p:to>
+                                    </p:set>
+                                  </p:childTnLst>
+                                </p:cTn>
+                              </p:par>
+                            </p:childTnLst>
+                          </p:cTn>
+                        </p:par>
+                      </p:childTnLst>
+                    </p:cTn>
+                  </p:par>
+                  <p:par>
+                    <p:cTn id="17" fill="hold">
+                      <p:stCondLst>
+                        <p:cond delay="indefinite"/>
+                      </p:stCondLst>
+                      <p:childTnLst>
+                        <p:par>
+                          <p:cTn id="18" fill="hold">
+                            <p:stCondLst>
+                              <p:cond delay="0"/>
+                            </p:stCondLst>
+                            <p:childTnLst>
+                              <p:par>
+                                <p:cTn id="19" presetID="1" presetClass="entr" presetSubtype="0" fill="hold" grpId="0" nodeType="clickEffect">
+                                  <p:stCondLst>
+                                    <p:cond delay="0"/>
+                                  </p:stCondLst>
+                                  <p:childTnLst>
+                                    <p:set>
+                                      <p:cBhvr>
+                                        <p:cTn id="20" dur="1" fill="hold">
+                                          <p:stCondLst>
+                                            <p:cond delay="0"/>
+                                          </p:stCondLst>
+                                        </p:cTn>
+                                        <p:tgtEl>
+                                          <p:spTgt spid="3">
+                                            <p:txEl>
+                                              <p:pRg st="4" end="4"/>
+                                            </p:txEl>
+                                          </p:spTgt>
+                                        </p:tgtEl>
+                                        <p:attrNameLst>
+                                          <p:attrName>style.visibility</p:attrName>
+                                        </p:attrNameLst>
+                                      </p:cBhvr>
+                                      <p:to>
+                                        <p:strVal val="visible"/>
+                                      </p:to>
+                                    </p:set>
+                                  </p:childTnLst>
+                                </p:cTn>
+                              </p:par>
+                            </p:childTnLst>
+                          </p:cTn>
+                        </p:par>
+                      </p:childTnLst>
+                    </p:cTn>
+                  </p:par>
+                  <p:par>
+                    <p:cTn id="21" fill="hold">
+                      <p:stCondLst>
+                        <p:cond delay="indefinite"/>
+                      </p:stCondLst>
+                      <p:childTnLst>
+                        <p:par>
+                          <p:cTn id="22" fill="hold">
+                            <p:stCondLst>
+                              <p:cond delay="0"/>
+                            </p:stCondLst>
+                            <p:childTnLst>
+                              <p:par>
+                                <p:cTn id="23" presetID="1" presetClass="entr" presetSubtype="0" fill="hold" grpId="0" nodeType="clickEffect">
+                                  <p:stCondLst>
+                                    <p:cond delay="0"/>
+                                  </p:stCondLst>
+                                  <p:childTnLst>
+                                    <p:set>
+                                      <p:cBhvr>
+                                        <p:cTn id="24" dur="1" fill="hold">
+                                          <p:stCondLst>
+                                            <p:cond delay="0"/>
+                                          </p:stCondLst>
+                                        </p:cTn>
+                                        <p:tgtEl>
+                                          <p:spTgt spid="3">
+                                            <p:txEl>
+                                              <p:pRg st="5" end="5"/>
+                                            </p:txEl>
+                                          </p:spTgt>
+                                        </p:tgtEl>
+                                        <p:attrNameLst>
+                                          <p:attrName>style.visibility</p:attrName>
+                                        </p:attrNameLst>
+                                      </p:cBhvr>
+                                      <p:to>
+                                        <p:strVal val="visible"/>
+                                      </p:to>
+                                    </p:set>
+                                  </p:childTnLst>
+                                </p:cTn>
+                              </p:par>
+                              <p:par>
+                                <p:cTn id="25" presetID="1" presetClass="entr" presetSubtype="0" fill="hold" grpId="0" nodeType="withEffect">
+                                  <p:stCondLst>
+                                    <p:cond delay="0"/>
+                                  </p:stCondLst>
+                                  <p:childTnLst>
+                                    <p:set>
+                                      <p:cBhvr>
+                                        <p:cTn id="26" dur="1" fill="hold">
+                                          <p:stCondLst>
+                                            <p:cond delay="0"/>
+                                          </p:stCondLst>
+                                        </p:cTn>
+                                        <p:tgtEl>
+                                          <p:spTgt spid="3">
+                                            <p:txEl>
+                                              <p:pRg st="6" end="6"/>
+                                            </p:txEl>
+                                          </p:spTgt>
+                                        </p:tgtEl>
+                                        <p:attrNameLst>
+                                          <p:attrName>style.visibility</p:attrName>
+                                        </p:attrNameLst>
+                                      </p:cBhvr>
+                                      <p:to>
+                                        <p:strVal val="visible"/>
+                                      </p:to>
+                                    </p:set>
+                                  </p:childTnLst>
+                                </p:cTn>
+                              </p:par>
+                              <p:par>
+                                <p:cTn id="27" presetID="1" presetClass="entr" presetSubtype="0" fill="hold" grpId="0" nodeType="withEffect">
+                                  <p:stCondLst>
+                                    <p:cond delay="0"/>
+                                  </p:stCondLst>
+                                  <p:childTnLst>
+                                    <p:set>
+                                      <p:cBhvr>
+                                        <p:cTn id="28" dur="1" fill="hold">
+                                          <p:stCondLst>
+                                            <p:cond delay="0"/>
+                                          </p:stCondLst>
+                                        </p:cTn>
+                                        <p:tgtEl>
+                                          <p:spTgt spid="3">
+                                            <p:txEl>
+                                              <p:pRg st="7" end="7"/>
+                                            </p:txEl>
+                                          </p:spTgt>
+                                        </p:tgtEl>
+                                        <p:attrNameLst>
+                                          <p:attrName>style.visibility</p:attrName>
+                                        </p:attrNameLst>
+                                      </p:cBhvr>
+                                      <p:to>
+                                        <p:strVal val="visible"/>
+                                      </p:to>
+                                    </p:set>
+                                  </p:childTnLst>
+                                </p:cTn>
+                              </p:par>
+                            </p:childTnLst>
+                          </p:cTn>
+                        </p:par>
+                      </p:childTnLst>
+                    </p:cTn>
+                  </p:par>
+                  <p:par>
+                    <p:cTn id="29" fill="hold">
+                      <p:stCondLst>
+                        <p:cond delay="indefinite"/>
+                      </p:stCondLst>
+                      <p:childTnLst>
+                        <p:par>
+                          <p:cTn id="30" fill="hold">
+                            <p:stCondLst>
+                              <p:cond delay="0"/>
+                            </p:stCondLst>
+                            <p:childTnLst>
+                              <p:par>
+                                <p:cTn id="31" presetID="1" presetClass="entr" presetSubtype="0" fill="hold" grpId="0" nodeType="clickEffect">
+                                  <p:stCondLst>
+                                    <p:cond delay="0"/>
+                                  </p:stCondLst>
+                                  <p:childTnLst>
+                                    <p:set>
+                                      <p:cBhvr>
+                                        <p:cTn id="32" dur="1" fill="hold">
+                                          <p:stCondLst>
+                                            <p:cond delay="0"/>
+                                          </p:stCondLst>
+                                        </p:cTn>
+                                        <p:tgtEl>
+                                          <p:spTgt spid="3">
+                                            <p:txEl>
+                                              <p:pRg st="8" end="8"/>
                                             </p:txEl>
                                           </p:spTgt>
                                         </p:tgtEl>
@@ -6889,68 +9960,81 @@
         <p:spPr/>
         <p:txBody>
           <a:bodyPr>
+            <a:normAutofit fontScale="90000"/>
+          </a:bodyPr>
+          <a:lstStyle/>
+          <a:p>
+            <a:r>
+              <a:rPr lang="en-US" dirty="0" err="1" smtClean="0"/>
+              <a:t>Interactor</a:t>
+            </a:r>
+            <a:r>
+              <a:rPr lang="en-US" dirty="0" smtClean="0"/>
+              <a:t> Hierarchy == DOM</a:t>
+            </a:r>
+            <a:endParaRPr lang="en-US" dirty="0"/>
+          </a:p>
+        </p:txBody>
+      </p:sp>
+      <p:sp>
+        <p:nvSpPr>
+          <p:cNvPr id="3" name="Content Placeholder 2"/>
+          <p:cNvSpPr>
+            <a:spLocks noGrp="1"/>
+          </p:cNvSpPr>
+          <p:nvPr>
+            <p:ph idx="1"/>
+          </p:nvPr>
+        </p:nvSpPr>
+        <p:spPr>
+          <a:xfrm>
+            <a:off x="457200" y="1600200"/>
+            <a:ext cx="8686800" cy="5257800"/>
+          </a:xfrm>
+        </p:spPr>
+        <p:txBody>
+          <a:bodyPr>
             <a:normAutofit/>
           </a:bodyPr>
           <a:lstStyle/>
           <a:p>
             <a:r>
-              <a:rPr lang="en-US" dirty="0" err="1" smtClean="0"/>
-              <a:t>Interactor</a:t>
-            </a:r>
-            <a:r>
-              <a:rPr lang="en-US" dirty="0" smtClean="0"/>
-              <a:t> tree</a:t>
-            </a:r>
-            <a:endParaRPr lang="en-US" dirty="0"/>
-          </a:p>
-        </p:txBody>
-      </p:sp>
-      <p:sp>
-        <p:nvSpPr>
-          <p:cNvPr id="3" name="Content Placeholder 2"/>
-          <p:cNvSpPr>
-            <a:spLocks noGrp="1"/>
-          </p:cNvSpPr>
-          <p:nvPr>
-            <p:ph idx="1"/>
-          </p:nvPr>
-        </p:nvSpPr>
-        <p:spPr/>
-        <p:txBody>
-          <a:bodyPr/>
-          <a:lstStyle/>
-          <a:p>
-            <a:r>
-              <a:rPr lang="en-US" dirty="0" smtClean="0"/>
-              <a:t>What's the </a:t>
-            </a:r>
-            <a:r>
-              <a:rPr lang="en-US" dirty="0" err="1" smtClean="0"/>
-              <a:t>interactor</a:t>
-            </a:r>
-            <a:r>
-              <a:rPr lang="en-US" dirty="0" smtClean="0"/>
-              <a:t> tree?</a:t>
+              <a:rPr lang="en-US" dirty="0" smtClean="0"/>
+              <a:t>Who decides how to draw DOM elements?</a:t>
             </a:r>
           </a:p>
           <a:p>
             <a:pPr lvl="1"/>
             <a:r>
               <a:rPr lang="en-US" dirty="0" smtClean="0"/>
-              <a:t>the DOM</a:t>
-            </a:r>
-          </a:p>
-          <a:p>
-            <a:r>
-              <a:rPr lang="en-US" dirty="0" smtClean="0"/>
-              <a:t>How do we, well, interact with it?</a:t>
+              <a:t>Some of this is handled in CSS</a:t>
             </a:r>
           </a:p>
           <a:p>
             <a:pPr lvl="1"/>
             <a:r>
               <a:rPr lang="en-US" dirty="0" smtClean="0"/>
-              <a:t>DOM manipulations, in </a:t>
+              <a:t>Some of this is in the definition of HTML</a:t>
+            </a:r>
+          </a:p>
+          <a:p>
+            <a:pPr lvl="1"/>
+            <a:r>
+              <a:rPr lang="en-US" dirty="0" smtClean="0"/>
+              <a:t>Can these be easily modified?</a:t>
+            </a:r>
+          </a:p>
+          <a:p>
+            <a:r>
+              <a:rPr lang="en-US" dirty="0" smtClean="0"/>
+              <a:t>Do they have state?</a:t>
+            </a:r>
+          </a:p>
+          <a:p>
+            <a:pPr lvl="1"/>
+            <a:r>
+              <a:rPr lang="en-US" dirty="0" smtClean="0"/>
+              <a:t>Can attach state in </a:t>
             </a:r>
             <a:r>
               <a:rPr lang="en-US" dirty="0" err="1" smtClean="0"/>
@@ -6959,53 +10043,95 @@
             <a:endParaRPr lang="en-US" dirty="0" smtClean="0"/>
           </a:p>
           <a:p>
+            <a:r>
+              <a:rPr lang="en-US" dirty="0" smtClean="0"/>
+              <a:t>Do they have common properties (position, size, visibility?)</a:t>
+            </a:r>
+          </a:p>
+          <a:p>
             <a:pPr lvl="1"/>
             <a:r>
+              <a:rPr lang="en-US" dirty="0" smtClean="0"/>
+              <a:t>Can be set in </a:t>
+            </a:r>
+            <a:r>
               <a:rPr lang="en-US" dirty="0" err="1" smtClean="0"/>
-              <a:t>document.getElementById</a:t>
-            </a:r>
-            <a:r>
-              <a:rPr lang="en-US" dirty="0" smtClean="0"/>
-              <a:t>(foo).</a:t>
+              <a:t>javascript</a:t>
+            </a:r>
+            <a:r>
+              <a:rPr lang="en-US" dirty="0" smtClean="0"/>
+              <a:t>; </a:t>
             </a:r>
             <a:r>
               <a:rPr lang="en-US" dirty="0" err="1" smtClean="0"/>
-              <a:t>doSomething</a:t>
-            </a:r>
-            <a:r>
-              <a:rPr lang="en-US" dirty="0" smtClean="0"/>
+              <a:t>css</a:t>
+            </a:r>
+            <a:endParaRPr lang="en-US" dirty="0" smtClean="0"/>
+          </a:p>
+          <a:p>
+            <a:pPr lvl="1"/>
+            <a:r>
+              <a:rPr lang="en-US" dirty="0" smtClean="0"/>
+              <a:t>May be ‘inherited’ (CSS)</a:t>
+            </a:r>
+          </a:p>
+          <a:p>
+            <a:pPr marL="342900" lvl="1" indent="-342900">
+              <a:spcBef>
+                <a:spcPts val="2000"/>
+              </a:spcBef>
+            </a:pPr>
+            <a:r>
+              <a:rPr lang="en-US" dirty="0" err="1" smtClean="0"/>
+              <a:t>Childen</a:t>
+            </a:r>
+            <a:r>
+              <a:rPr lang="en-US" dirty="0" smtClean="0"/>
+              <a:t>: </a:t>
+            </a:r>
+            <a:r>
+              <a:rPr lang="en-US" dirty="0" err="1"/>
+              <a:t>element.appendChild</a:t>
+            </a:r>
+            <a:r>
+              <a:rPr lang="en-US" dirty="0"/>
               <a:t>()</a:t>
             </a:r>
           </a:p>
           <a:p>
-            <a:pPr lvl="1"/>
-            <a:r>
-              <a:rPr lang="en-US" dirty="0" err="1" smtClean="0"/>
-              <a:t>element.appendChild</a:t>
-            </a:r>
-            <a:r>
-              <a:rPr lang="en-US" dirty="0" smtClean="0"/>
-              <a:t>()</a:t>
-            </a:r>
-          </a:p>
-          <a:p>
-            <a:pPr lvl="1"/>
-            <a:r>
-              <a:rPr lang="en-US" dirty="0" err="1" smtClean="0"/>
-              <a:t>jQuery's</a:t>
-            </a:r>
-            <a:r>
-              <a:rPr lang="en-US" dirty="0" smtClean="0"/>
-              <a:t> $('#foo').append("&lt;</a:t>
-            </a:r>
-            <a:r>
-              <a:rPr lang="en-US" dirty="0" err="1" smtClean="0"/>
-              <a:t>hr</a:t>
-            </a:r>
-            <a:r>
-              <a:rPr lang="en-US" dirty="0" smtClean="0"/>
-              <a:t>&gt;")</a:t>
-            </a:r>
+            <a:endParaRPr lang="en-US" dirty="0" smtClean="0"/>
+          </a:p>
+          <a:p>
+            <a:pPr marL="0" indent="0">
+              <a:buNone/>
+            </a:pPr>
+            <a:endParaRPr lang="en-US" dirty="0" smtClean="0"/>
+          </a:p>
+          <a:p>
+            <a:endParaRPr lang="en-US" dirty="0" smtClean="0"/>
+          </a:p>
+        </p:txBody>
+      </p:sp>
+      <p:sp>
+        <p:nvSpPr>
+          <p:cNvPr id="4" name="Slide Number Placeholder 3"/>
+          <p:cNvSpPr>
+            <a:spLocks noGrp="1"/>
+          </p:cNvSpPr>
+          <p:nvPr>
+            <p:ph type="sldNum" sz="quarter" idx="12"/>
+          </p:nvPr>
+        </p:nvSpPr>
+        <p:spPr/>
+        <p:txBody>
+          <a:bodyPr/>
+          <a:lstStyle/>
+          <a:p>
+            <a:fld id="{23F2AF1E-9216-4056-9DA0-3E58C0837E5A}" type="slidenum">
+              <a:rPr lang="en-US" smtClean="0"/>
+              <a:pPr/>
+              <a:t>7</a:t>
+            </a:fld>
             <a:endParaRPr lang="en-US" dirty="0"/>
           </a:p>
         </p:txBody>
@@ -7013,13 +10139,21 @@
     </p:spTree>
     <p:extLst>
       <p:ext uri="{BB962C8B-B14F-4D97-AF65-F5344CB8AC3E}">
-        <p14:creationId xmlns:p14="http://schemas.microsoft.com/office/powerpoint/2010/main" val="3892517611"/>
+        <p14:creationId xmlns:p14="http://schemas.microsoft.com/office/powerpoint/2010/main" val="4158777300"/>
       </p:ext>
     </p:extLst>
   </p:cSld>
   <p:clrMapOvr>
     <a:masterClrMapping/>
   </p:clrMapOvr>
+  <mc:AlternateContent xmlns:mc="http://schemas.openxmlformats.org/markup-compatibility/2006" xmlns:p14="http://schemas.microsoft.com/office/powerpoint/2010/main">
+    <mc:Choice Requires="p14">
+      <p:transition spd="slow" p14:dur="2000"/>
+    </mc:Choice>
+    <mc:Fallback xmlns="">
+      <p:transition xmlns:p14="http://schemas.microsoft.com/office/powerpoint/2010/main" spd="slow"/>
+    </mc:Fallback>
+  </mc:AlternateContent>
   <p:timing>
     <p:tnLst>
       <p:par>
@@ -7064,7 +10198,7 @@
           <a:p>
             <a:r>
               <a:rPr lang="en-US" dirty="0" smtClean="0"/>
-              <a:t>Output</a:t>
+              <a:t>Normal Job of Hierarchy</a:t>
             </a:r>
             <a:endParaRPr lang="en-US" dirty="0"/>
           </a:p>
@@ -7087,58 +10221,15 @@
           <a:p>
             <a:r>
               <a:rPr lang="en-US" dirty="0" smtClean="0"/>
-              <a:t>Hierarchical drawing</a:t>
+              <a:t>Parent elements set children up for drawing (0,0; clipping)</a:t>
             </a:r>
           </a:p>
           <a:p>
             <a:pPr lvl="1"/>
             <a:r>
               <a:rPr lang="en-US" dirty="0" smtClean="0"/>
-              <a:t>Each </a:t>
-            </a:r>
-            <a:r>
-              <a:rPr lang="en-US" dirty="0" err="1" smtClean="0"/>
-              <a:t>interactor</a:t>
-            </a:r>
-            <a:r>
-              <a:rPr lang="en-US" dirty="0" smtClean="0"/>
-              <a:t> draws itself</a:t>
-            </a:r>
-          </a:p>
-          <a:p>
-            <a:pPr lvl="1"/>
-            <a:r>
-              <a:rPr lang="en-US" dirty="0" smtClean="0"/>
-              <a:t>set clipping region</a:t>
-            </a:r>
-          </a:p>
-          <a:p>
-            <a:pPr lvl="1"/>
-            <a:r>
-              <a:rPr lang="en-US" dirty="0" smtClean="0"/>
-              <a:t>save and restore context</a:t>
-            </a:r>
-          </a:p>
-          <a:p>
-            <a:pPr lvl="1"/>
-            <a:r>
-              <a:rPr lang="en-US" dirty="0" smtClean="0"/>
-              <a:t>concepts useful w/ canvas, otherwise browser does them for you</a:t>
-            </a:r>
-          </a:p>
-          <a:p>
-            <a:r>
-              <a:rPr lang="en-US" dirty="0" smtClean="0"/>
-              <a:t>Damage/redraw</a:t>
-            </a:r>
-          </a:p>
-          <a:p>
-            <a:pPr lvl="1"/>
-            <a:r>
-              <a:rPr lang="en-US" dirty="0" smtClean="0"/>
-              <a:t>handled by browser, not much to worry about</a:t>
-            </a:r>
-            <a:endParaRPr lang="en-US" dirty="0"/>
+              <a:t>In web programming?</a:t>
+            </a:r>
           </a:p>
         </p:txBody>
       </p:sp>
@@ -7196,7 +10287,7 @@
           <a:p>
             <a:r>
               <a:rPr lang="en-US" dirty="0" smtClean="0"/>
-              <a:t>Output: Layout</a:t>
+              <a:t>Normal Job of Hierarchy</a:t>
             </a:r>
             <a:endParaRPr lang="en-US" dirty="0"/>
           </a:p>
@@ -7219,21 +10310,59 @@
           <a:p>
             <a:r>
               <a:rPr lang="en-US" dirty="0" smtClean="0"/>
-              <a:t>fixed (position: absolute/relative/fixed) – simple, but has problems</a:t>
-            </a:r>
-          </a:p>
-          <a:p>
-            <a:r>
-              <a:rPr lang="en-US" dirty="0" smtClean="0"/>
-              <a:t>dynamic (position: static) – more difficult</a:t>
+              <a:t>Parent elements set children up for drawing (0,0; clipping)</a:t>
             </a:r>
           </a:p>
           <a:p>
             <a:pPr lvl="1"/>
             <a:r>
               <a:rPr lang="en-US" dirty="0" smtClean="0"/>
-              <a:t>springs and struts? boxes and glue? general constraints?</a:t>
-            </a:r>
+              <a:t>In web programming?</a:t>
+            </a:r>
+          </a:p>
+          <a:p>
+            <a:r>
+              <a:rPr lang="en-US" dirty="0" smtClean="0"/>
+              <a:t>Efficiently handle damage/redraw</a:t>
+            </a:r>
+          </a:p>
+          <a:p>
+            <a:pPr lvl="1"/>
+            <a:r>
+              <a:rPr lang="en-US" dirty="0" smtClean="0"/>
+              <a:t>1) Each element reports whether it is damaged (may depend on interaction, window size changes, </a:t>
+            </a:r>
+            <a:r>
+              <a:rPr lang="en-US" dirty="0" err="1" smtClean="0"/>
+              <a:t>etc</a:t>
+            </a:r>
+            <a:r>
+              <a:rPr lang="en-US" dirty="0" smtClean="0"/>
+              <a:t>)</a:t>
+            </a:r>
+          </a:p>
+          <a:p>
+            <a:pPr lvl="1"/>
+            <a:r>
+              <a:rPr lang="en-US" dirty="0" smtClean="0"/>
+              <a:t>2) Aggregated up hierarchy. Only include elements that overlap the bounding box of the damaged region</a:t>
+            </a:r>
+          </a:p>
+          <a:p>
+            <a:pPr lvl="1"/>
+            <a:r>
+              <a:rPr lang="en-US" dirty="0" smtClean="0"/>
+              <a:t>3) Batch redraw</a:t>
+            </a:r>
+          </a:p>
+          <a:p>
+            <a:pPr lvl="1"/>
+            <a:r>
+              <a:rPr lang="en-US" dirty="0" smtClean="0"/>
+              <a:t>In web programming?</a:t>
+            </a:r>
+          </a:p>
+          <a:p>
             <a:endParaRPr lang="en-US" dirty="0"/>
           </a:p>
         </p:txBody>
@@ -7241,7 +10370,7 @@
     </p:spTree>
     <p:extLst>
       <p:ext uri="{BB962C8B-B14F-4D97-AF65-F5344CB8AC3E}">
-        <p14:creationId xmlns:p14="http://schemas.microsoft.com/office/powerpoint/2010/main" val="3036500388"/>
+        <p14:creationId xmlns:p14="http://schemas.microsoft.com/office/powerpoint/2010/main" val="2045937992"/>
       </p:ext>
     </p:extLst>
   </p:cSld>
